--- a/slides/info/info.pptx
+++ b/slides/info/info.pptx
@@ -219,7 +219,7 @@
           <a:p>
             <a:fld id="{219516E0-8CE9-4E45-BBE4-0253E629E185}" type="datetimeFigureOut">
               <a:rPr lang="en-US" smtClean="0"/>
-              <a:t>1/7/18</a:t>
+              <a:t>1/6/20</a:t>
             </a:fld>
             <a:endParaRPr lang="en-US"/>
           </a:p>
@@ -385,7 +385,7 @@
           <a:p>
             <a:fld id="{14993CBD-1C97-524F-B07C-B45DC8EF186A}" type="datetimeFigureOut">
               <a:rPr lang="en-US" smtClean="0"/>
-              <a:t>1/7/18</a:t>
+              <a:t>1/6/20</a:t>
             </a:fld>
             <a:endParaRPr lang="en-US"/>
           </a:p>
@@ -841,7 +841,7 @@
           <a:p>
             <a:fld id="{5A3358AF-644C-9544-8143-4AB4F84FB271}" type="datetime1">
               <a:rPr lang="en-US" smtClean="0"/>
-              <a:t>1/7/18</a:t>
+              <a:t>1/6/20</a:t>
             </a:fld>
             <a:endParaRPr lang="en-US"/>
           </a:p>
@@ -1077,7 +1077,7 @@
           <a:p>
             <a:fld id="{6A1EB52D-8D0C-1848-9ECA-D1601DE6F516}" type="datetime1">
               <a:rPr lang="en-US" smtClean="0"/>
-              <a:t>1/7/18</a:t>
+              <a:t>1/6/20</a:t>
             </a:fld>
             <a:endParaRPr lang="en-US"/>
           </a:p>
@@ -1257,7 +1257,7 @@
           <a:p>
             <a:fld id="{EFFE756C-A40E-1645-9B5E-56F6CED81B3E}" type="datetime1">
               <a:rPr lang="en-US" smtClean="0"/>
-              <a:t>1/7/18</a:t>
+              <a:t>1/6/20</a:t>
             </a:fld>
             <a:endParaRPr lang="en-US"/>
           </a:p>
@@ -1675,7 +1675,7 @@
           <a:p>
             <a:fld id="{5D03448D-8EE6-494F-BDE1-F5FCF8FAC3A9}" type="datetime1">
               <a:rPr lang="en-US" smtClean="0"/>
-              <a:t>1/7/18</a:t>
+              <a:t>1/6/20</a:t>
             </a:fld>
             <a:endParaRPr lang="en-US"/>
           </a:p>
@@ -1963,7 +1963,7 @@
           <a:p>
             <a:fld id="{CE9887B9-FC5E-1A4C-9BA2-7BEB030AC187}" type="datetime1">
               <a:rPr lang="en-US" smtClean="0"/>
-              <a:t>1/7/18</a:t>
+              <a:t>1/6/20</a:t>
             </a:fld>
             <a:endParaRPr lang="en-US"/>
           </a:p>
@@ -2385,7 +2385,7 @@
           <a:p>
             <a:fld id="{7CD3BC33-3EE3-4343-A693-2889CAF22343}" type="datetime1">
               <a:rPr lang="en-US" smtClean="0"/>
-              <a:t>1/7/18</a:t>
+              <a:t>1/6/20</a:t>
             </a:fld>
             <a:endParaRPr lang="en-US"/>
           </a:p>
@@ -2503,7 +2503,7 @@
           <a:p>
             <a:fld id="{B622619F-8923-D548-8F3D-8396F4A9DB1C}" type="datetime1">
               <a:rPr lang="en-US" smtClean="0"/>
-              <a:t>1/7/18</a:t>
+              <a:t>1/6/20</a:t>
             </a:fld>
             <a:endParaRPr lang="en-US"/>
           </a:p>
@@ -2598,7 +2598,7 @@
           <a:p>
             <a:fld id="{10E38838-6E6E-AD43-A201-219EB5CB3FC7}" type="datetime1">
               <a:rPr lang="en-US" smtClean="0"/>
-              <a:t>1/7/18</a:t>
+              <a:t>1/6/20</a:t>
             </a:fld>
             <a:endParaRPr lang="en-US"/>
           </a:p>
@@ -2875,7 +2875,7 @@
           <a:p>
             <a:fld id="{25C6F7F9-D749-AF43-887F-95832616F114}" type="datetime1">
               <a:rPr lang="en-US" smtClean="0"/>
-              <a:t>1/7/18</a:t>
+              <a:t>1/6/20</a:t>
             </a:fld>
             <a:endParaRPr lang="en-US"/>
           </a:p>
@@ -3132,7 +3132,7 @@
           <a:p>
             <a:fld id="{C6226550-C0A7-924B-8406-A9112C93619D}" type="datetime1">
               <a:rPr lang="en-US" smtClean="0"/>
-              <a:t>1/7/18</a:t>
+              <a:t>1/6/20</a:t>
             </a:fld>
             <a:endParaRPr lang="en-US"/>
           </a:p>
@@ -3817,137 +3817,130 @@
         </p:nvSpPr>
         <p:spPr/>
         <p:txBody>
+          <a:bodyPr/>
+          <a:lstStyle/>
+          <a:p>
+            <a:r>
+              <a:rPr lang="en-US" smtClean="0"/>
+              <a:t>Building up structured output prediction</a:t>
+            </a:r>
+            <a:endParaRPr lang="en-US" dirty="0"/>
+          </a:p>
+        </p:txBody>
+      </p:sp>
+      <p:sp>
+        <p:nvSpPr>
+          <p:cNvPr id="3" name="Content Placeholder 2"/>
+          <p:cNvSpPr>
+            <a:spLocks noGrp="1"/>
+          </p:cNvSpPr>
+          <p:nvPr>
+            <p:ph idx="1"/>
+          </p:nvPr>
+        </p:nvSpPr>
+        <p:spPr/>
+        <p:txBody>
           <a:bodyPr>
-            <a:normAutofit/>
+            <a:normAutofit fontScale="70000" lnSpcReduction="20000"/>
           </a:bodyPr>
           <a:lstStyle/>
           <a:p>
             <a:r>
               <a:rPr lang="en-US" dirty="0" smtClean="0"/>
-              <a:t>Building up structured output prediction</a:t>
-            </a:r>
-            <a:endParaRPr lang="en-US" dirty="0"/>
-          </a:p>
-        </p:txBody>
-      </p:sp>
-      <p:sp>
-        <p:nvSpPr>
-          <p:cNvPr id="3" name="Content Placeholder 2"/>
-          <p:cNvSpPr>
-            <a:spLocks noGrp="1"/>
-          </p:cNvSpPr>
-          <p:nvPr>
-            <p:ph idx="1"/>
-          </p:nvPr>
-        </p:nvSpPr>
-        <p:spPr>
-          <a:xfrm>
-            <a:off x="457200" y="1284112"/>
-            <a:ext cx="8229600" cy="4525963"/>
-          </a:xfrm>
-        </p:spPr>
-        <p:txBody>
-          <a:bodyPr>
-            <a:noAutofit/>
-          </a:bodyPr>
-          <a:lstStyle/>
-          <a:p>
-            <a:r>
-              <a:rPr lang="en-US" sz="1800" dirty="0" smtClean="0"/>
               <a:t>Refresher of binary classification and introduction to multiclass classification</a:t>
             </a:r>
           </a:p>
           <a:p>
             <a:r>
-              <a:rPr lang="en-US" sz="1800" dirty="0" smtClean="0"/>
+              <a:rPr lang="en-US" dirty="0" smtClean="0"/>
               <a:t>Simple structures</a:t>
             </a:r>
           </a:p>
           <a:p>
             <a:pPr lvl="1"/>
             <a:r>
-              <a:rPr lang="en-US" sz="1600" dirty="0" smtClean="0"/>
-              <a:t>Multiclass is really a trivial kind of a structure</a:t>
-            </a:r>
-          </a:p>
-          <a:p>
-            <a:r>
-              <a:rPr lang="en-US" sz="1800" dirty="0" smtClean="0"/>
+              <a:rPr lang="en-US" dirty="0" smtClean="0"/>
+              <a:t>Multiclass classification is really a trivial kind of a structure</a:t>
+            </a:r>
+          </a:p>
+          <a:p>
+            <a:r>
+              <a:rPr lang="en-US" dirty="0" smtClean="0"/>
               <a:t>Sequence labeling problems </a:t>
             </a:r>
           </a:p>
           <a:p>
             <a:pPr lvl="1"/>
             <a:r>
-              <a:rPr lang="en-US" sz="1600" dirty="0" smtClean="0"/>
+              <a:rPr lang="en-US" dirty="0" smtClean="0"/>
               <a:t>HMM, inference, Conditional Random Fields, Structured variants of SVM and Perceptron</a:t>
             </a:r>
           </a:p>
           <a:p>
             <a:r>
-              <a:rPr lang="en-US" sz="1800" dirty="0" smtClean="0"/>
+              <a:rPr lang="en-US" dirty="0" smtClean="0"/>
               <a:t>Conditional models: How previous algorithms extend to general structures</a:t>
             </a:r>
           </a:p>
           <a:p>
-            <a:endParaRPr lang="en-US" sz="1800" dirty="0" smtClean="0"/>
-          </a:p>
-          <a:p>
-            <a:r>
-              <a:rPr lang="en-US" sz="1800" dirty="0" smtClean="0"/>
+            <a:endParaRPr lang="en-US" dirty="0" smtClean="0"/>
+          </a:p>
+          <a:p>
+            <a:r>
+              <a:rPr lang="en-US" dirty="0" smtClean="0"/>
               <a:t>Complexity of inference and inference algorithms</a:t>
             </a:r>
           </a:p>
           <a:p>
             <a:r>
-              <a:rPr lang="en-US" sz="1800" dirty="0" smtClean="0"/>
+              <a:rPr lang="en-US" dirty="0" smtClean="0"/>
               <a:t>Different training regimes</a:t>
             </a:r>
           </a:p>
           <a:p>
             <a:pPr lvl="1"/>
             <a:r>
-              <a:rPr lang="en-US" sz="1600" dirty="0" smtClean="0"/>
+              <a:rPr lang="en-US" dirty="0" smtClean="0"/>
               <a:t>Training with/without inference</a:t>
             </a:r>
           </a:p>
           <a:p>
             <a:pPr lvl="1"/>
             <a:r>
-              <a:rPr lang="en-US" sz="1600" dirty="0" smtClean="0"/>
+              <a:rPr lang="en-US" dirty="0" smtClean="0"/>
               <a:t>Constraint driven learning, posterior regularization</a:t>
             </a:r>
           </a:p>
           <a:p>
-            <a:endParaRPr lang="en-US" sz="1800" dirty="0" smtClean="0"/>
-          </a:p>
-          <a:p>
-            <a:r>
-              <a:rPr lang="en-US" sz="1800" dirty="0" smtClean="0"/>
-              <a:t>Deep </a:t>
-            </a:r>
-            <a:r>
-              <a:rPr lang="en-US" sz="1800" dirty="0"/>
-              <a:t>learning and </a:t>
-            </a:r>
-            <a:r>
-              <a:rPr lang="en-US" sz="1800" dirty="0" smtClean="0"/>
-              <a:t>structures</a:t>
-            </a:r>
-            <a:endParaRPr lang="en-US" sz="1600" dirty="0" smtClean="0"/>
-          </a:p>
-          <a:p>
-            <a:r>
-              <a:rPr lang="en-US" sz="1800" dirty="0" smtClean="0"/>
+            <a:endParaRPr lang="en-US" dirty="0" smtClean="0"/>
+          </a:p>
+          <a:p>
+            <a:r>
+              <a:rPr lang="en-US" dirty="0" smtClean="0"/>
+              <a:t>Deep learning and structures</a:t>
+            </a:r>
+          </a:p>
+          <a:p>
+            <a:pPr lvl="1"/>
+            <a:r>
+              <a:rPr lang="en-US" dirty="0" smtClean="0"/>
+              <a:t>Do we need inference at all?</a:t>
+            </a:r>
+            <a:endParaRPr lang="en-US" dirty="0" smtClean="0"/>
+          </a:p>
+          <a:p>
+            <a:r>
+              <a:rPr lang="en-US" dirty="0" smtClean="0"/>
               <a:t>Learning without full supervision</a:t>
             </a:r>
           </a:p>
           <a:p>
             <a:pPr lvl="1"/>
             <a:r>
-              <a:rPr lang="en-US" sz="1600" dirty="0" smtClean="0"/>
+              <a:rPr lang="en-US" dirty="0" smtClean="0"/>
               <a:t>Latent variables, semi-supervised learning, indirect supervision</a:t>
             </a:r>
+            <a:endParaRPr lang="en-US" dirty="0" smtClean="0"/>
           </a:p>
         </p:txBody>
       </p:sp>
@@ -3968,6 +3961,7 @@
           <a:p>
             <a:fld id="{6B45B514-2D7B-5A4A-967A-996587399F6E}" type="slidenum">
               <a:rPr lang="en-US" smtClean="0"/>
+              <a:pPr/>
               <a:t>2</a:t>
             </a:fld>
             <a:endParaRPr lang="en-US"/>
@@ -4177,15 +4171,33 @@
                                   </p:childTnLst>
                                 </p:cTn>
                               </p:par>
+                            </p:childTnLst>
+                          </p:cTn>
+                        </p:par>
+                      </p:childTnLst>
+                    </p:cTn>
+                  </p:par>
+                  <p:par>
+                    <p:cTn id="17" fill="hold">
+                      <p:stCondLst>
+                        <p:cond delay="indefinite"/>
+                      </p:stCondLst>
+                      <p:childTnLst>
+                        <p:par>
+                          <p:cTn id="18" fill="hold">
+                            <p:stCondLst>
+                              <p:cond delay="0"/>
+                            </p:stCondLst>
+                            <p:childTnLst>
                               <p:par>
-                                <p:cTn id="17" presetID="1" presetClass="entr" presetSubtype="0" fill="hold" nodeType="withEffect">
+                                <p:cTn id="19" presetID="1" presetClass="entr" presetSubtype="0" fill="hold" nodeType="clickEffect">
                                   <p:stCondLst>
                                     <p:cond delay="0"/>
                                   </p:stCondLst>
                                   <p:childTnLst>
                                     <p:set>
                                       <p:cBhvr>
-                                        <p:cTn id="18" dur="1" fill="hold">
+                                        <p:cTn id="20" dur="1" fill="hold">
                                           <p:stCondLst>
                                             <p:cond delay="0"/>
                                           </p:stCondLst>
@@ -4209,14 +4221,14 @@
                                 </p:cTn>
                               </p:par>
                               <p:par>
-                                <p:cTn id="19" presetID="1" presetClass="entr" presetSubtype="0" fill="hold" nodeType="withEffect">
+                                <p:cTn id="21" presetID="1" presetClass="entr" presetSubtype="0" fill="hold" nodeType="withEffect">
                                   <p:stCondLst>
                                     <p:cond delay="0"/>
                                   </p:stCondLst>
                                   <p:childTnLst>
                                     <p:set>
                                       <p:cBhvr>
-                                        <p:cTn id="20" dur="1" fill="hold">
+                                        <p:cTn id="22" dur="1" fill="hold">
                                           <p:stCondLst>
                                             <p:cond delay="0"/>
                                           </p:stCondLst>
@@ -4225,6 +4237,37 @@
                                           <p:spTgt spid="3">
                                             <p:txEl>
                                               <p:pRg st="14" end="14"/>
+                                            </p:txEl>
+                                          </p:spTgt>
+                                        </p:tgtEl>
+                                        <p:attrNameLst>
+                                          <p:attrName>style.visibility</p:attrName>
+                                        </p:attrNameLst>
+                                      </p:cBhvr>
+                                      <p:to>
+                                        <p:strVal val="visible"/>
+                                      </p:to>
+                                    </p:set>
+                                  </p:childTnLst>
+                                </p:cTn>
+                              </p:par>
+                              <p:par>
+                                <p:cTn id="23" presetID="1" presetClass="entr" presetSubtype="0" fill="hold" nodeType="withEffect">
+                                  <p:stCondLst>
+                                    <p:cond delay="0"/>
+                                  </p:stCondLst>
+                                  <p:childTnLst>
+                                    <p:set>
+                                      <p:cBhvr>
+                                        <p:cTn id="24" dur="1" fill="hold">
+                                          <p:stCondLst>
+                                            <p:cond delay="0"/>
+                                          </p:stCondLst>
+                                        </p:cTn>
+                                        <p:tgtEl>
+                                          <p:spTgt spid="3">
+                                            <p:txEl>
+                                              <p:pRg st="15" end="15"/>
                                             </p:txEl>
                                           </p:spTgt>
                                         </p:tgtEl>
@@ -4737,7 +4780,14 @@
             <a:pPr lvl="1"/>
             <a:r>
               <a:rPr lang="en-US" dirty="0" smtClean="0"/>
-              <a:t>Lectures by me initially and gradually, presentations by you</a:t>
+              <a:t>Lectures</a:t>
+            </a:r>
+          </a:p>
+          <a:p>
+            <a:pPr lvl="1"/>
+            <a:r>
+              <a:rPr lang="en-US" dirty="0" smtClean="0"/>
+              <a:t>Readings and paper reviews</a:t>
             </a:r>
           </a:p>
           <a:p>
@@ -4796,8 +4846,9 @@
             </a:pPr>
             <a:r>
               <a:rPr lang="en-US" dirty="0" smtClean="0"/>
-              <a:t>One class presentation</a:t>
-            </a:r>
+              <a:t>One or two assignments</a:t>
+            </a:r>
+            <a:endParaRPr lang="en-US" dirty="0" smtClean="0"/>
           </a:p>
           <a:p>
             <a:pPr marL="873023" lvl="1" indent="-457200">
@@ -4824,8 +4875,13 @@
             </a:r>
             <a:r>
               <a:rPr lang="en-US" dirty="0" smtClean="0"/>
-              <a:t> presentation</a:t>
-            </a:r>
+              <a:t> </a:t>
+            </a:r>
+            <a:r>
+              <a:rPr lang="en-US" dirty="0" smtClean="0"/>
+              <a:t>poster session.</a:t>
+            </a:r>
+            <a:endParaRPr lang="en-US" dirty="0" smtClean="0"/>
           </a:p>
           <a:p>
             <a:endParaRPr lang="en-US" dirty="0"/>
@@ -4866,7 +4922,7 @@
         </p:nvSpPr>
         <p:spPr>
           <a:xfrm>
-            <a:off x="608184" y="5831005"/>
+            <a:off x="808481" y="6316849"/>
             <a:ext cx="1118515" cy="338554"/>
           </a:xfrm>
           <a:prstGeom prst="rect">
@@ -4922,16 +4978,20 @@
               <a:t>Course website: </a:t>
             </a:r>
             <a:r>
+              <a:rPr lang="en-US" sz="1800" dirty="0" smtClean="0">
+                <a:hlinkClick r:id="rId2"/>
+              </a:rPr>
+              <a:t>https://</a:t>
+            </a:r>
+            <a:r>
+              <a:rPr lang="en-US" sz="1800" dirty="0" smtClean="0">
+                <a:hlinkClick r:id="rId2"/>
+              </a:rPr>
+              <a:t>svivek.com/teaching/structured-prediction</a:t>
+            </a:r>
+            <a:r>
               <a:rPr lang="en-US" sz="1800" dirty="0" smtClean="0"/>
-              <a:t>https://</a:t>
-            </a:r>
-            <a:r>
-              <a:rPr lang="en-US" sz="1800" dirty="0" err="1" smtClean="0"/>
-              <a:t>svivek.com</a:t>
-            </a:r>
-            <a:r>
-              <a:rPr lang="en-US" sz="1800" dirty="0" smtClean="0"/>
-              <a:t>/teaching/structured-prediction</a:t>
+              <a:t> </a:t>
             </a:r>
             <a:endParaRPr lang="en-US" sz="1800" dirty="0"/>
           </a:p>
@@ -5473,11 +5533,11 @@
             </a:r>
             <a:r>
               <a:rPr lang="en-US" sz="2200" dirty="0" smtClean="0"/>
-              <a:t>Wed 2:00 </a:t>
+              <a:t>Thu 11:00 AM</a:t>
             </a:r>
             <a:r>
               <a:rPr lang="en-US" sz="2200" dirty="0"/>
-              <a:t>PM, 3126 MEB, </a:t>
+              <a:t>, 3126 MEB, </a:t>
             </a:r>
             <a:endParaRPr lang="en-US" sz="2200" dirty="0" smtClean="0"/>
           </a:p>
@@ -5511,8 +5571,8 @@
         </p:nvSpPr>
         <p:spPr>
           <a:xfrm>
-            <a:off x="4800600" y="4214237"/>
-            <a:ext cx="4038600" cy="1957190"/>
+            <a:off x="4739534" y="4214237"/>
+            <a:ext cx="4354286" cy="1063157"/>
           </a:xfrm>
           <a:prstGeom prst="rect">
             <a:avLst/>
@@ -5520,7 +5580,7 @@
         </p:spPr>
         <p:txBody>
           <a:bodyPr vert="horz" lIns="83165" tIns="41582" rIns="83165" bIns="41582" rtlCol="0">
-            <a:normAutofit fontScale="92500" lnSpcReduction="10000"/>
+            <a:normAutofit fontScale="92500"/>
           </a:bodyPr>
           <a:lstStyle>
             <a:lvl1pPr marL="311868" indent="-311868" algn="l" defTabSz="415823" rtl="0" eaLnBrk="1" latinLnBrk="0" hangingPunct="1">
@@ -5669,13 +5729,10 @@
               <a:t>TA: </a:t>
             </a:r>
             <a:r>
-              <a:rPr lang="en-US" sz="2400" b="1" dirty="0" err="1" smtClean="0"/>
-              <a:t>Jie</a:t>
-            </a:r>
-            <a:r>
               <a:rPr lang="en-US" sz="2400" b="1" dirty="0" smtClean="0"/>
-              <a:t> Cao</a:t>
-            </a:r>
+              <a:t>Yuan Zhuang</a:t>
+            </a:r>
+            <a:endParaRPr lang="en-US" sz="2400" b="1" dirty="0" smtClean="0"/>
           </a:p>
           <a:p>
             <a:pPr marL="0" indent="0">
@@ -5692,7 +5749,7 @@
                 <a:ea typeface="Consolas" charset="0"/>
                 <a:cs typeface="Consolas" charset="0"/>
               </a:rPr>
-              <a:t>jcao</a:t>
+              <a:t>yuan.zhuang</a:t>
             </a:r>
             <a:r>
               <a:rPr lang="en-US" sz="2200" dirty="0" smtClean="0">
@@ -5708,43 +5765,9 @@
                 <a:ea typeface="Consolas" charset="0"/>
                 <a:cs typeface="Consolas" charset="0"/>
               </a:rPr>
-              <a:t>cs.utah.edu</a:t>
+              <a:t>utah.edu</a:t>
             </a:r>
             <a:endParaRPr lang="en-US" sz="2200" dirty="0" smtClean="0">
-              <a:latin typeface="Consolas" charset="0"/>
-              <a:ea typeface="Consolas" charset="0"/>
-              <a:cs typeface="Consolas" charset="0"/>
-            </a:endParaRPr>
-          </a:p>
-          <a:p>
-            <a:pPr marL="0" indent="0">
-              <a:buNone/>
-            </a:pPr>
-            <a:r>
-              <a:rPr lang="en-US" sz="2400" dirty="0" smtClean="0"/>
-              <a:t>Office hours:</a:t>
-            </a:r>
-          </a:p>
-          <a:p>
-            <a:pPr marL="0" indent="0">
-              <a:buNone/>
-            </a:pPr>
-            <a:r>
-              <a:rPr lang="en-US" sz="2400" dirty="0">
-                <a:latin typeface="Consolas" charset="0"/>
-                <a:ea typeface="Consolas" charset="0"/>
-                <a:cs typeface="Consolas" charset="0"/>
-              </a:rPr>
-              <a:t>	</a:t>
-            </a:r>
-            <a:r>
-              <a:rPr lang="en-US" sz="2400" dirty="0"/>
-              <a:t>Tue 1:30 PM – 2:30 PM</a:t>
-            </a:r>
-            <a:br>
-              <a:rPr lang="en-US" sz="2400" dirty="0"/>
-            </a:br>
-            <a:endParaRPr lang="en-US" sz="2400" dirty="0">
               <a:latin typeface="Consolas" charset="0"/>
               <a:ea typeface="Consolas" charset="0"/>
               <a:cs typeface="Consolas" charset="0"/>
@@ -6681,7 +6704,15 @@
             </a:pPr>
             <a:r>
               <a:rPr lang="en-US" dirty="0" smtClean="0"/>
-              <a:t>This is an advanced course aimed at helping you navigate recent research.</a:t>
+              <a:t>This is an </a:t>
+            </a:r>
+            <a:r>
+              <a:rPr lang="en-US" dirty="0" smtClean="0"/>
+              <a:t>advanced topics </a:t>
+            </a:r>
+            <a:r>
+              <a:rPr lang="en-US" dirty="0" smtClean="0"/>
+              <a:t>course aimed at helping you navigate recent research.</a:t>
             </a:r>
           </a:p>
           <a:p>

--- a/slides/info/info.pptx
+++ b/slides/info/info.pptx
@@ -219,7 +219,7 @@
           <a:p>
             <a:fld id="{219516E0-8CE9-4E45-BBE4-0253E629E185}" type="datetimeFigureOut">
               <a:rPr lang="en-US" smtClean="0"/>
-              <a:t>1/6/20</a:t>
+              <a:t>1/7/20</a:t>
             </a:fld>
             <a:endParaRPr lang="en-US"/>
           </a:p>
@@ -385,7 +385,7 @@
           <a:p>
             <a:fld id="{14993CBD-1C97-524F-B07C-B45DC8EF186A}" type="datetimeFigureOut">
               <a:rPr lang="en-US" smtClean="0"/>
-              <a:t>1/6/20</a:t>
+              <a:t>1/7/20</a:t>
             </a:fld>
             <a:endParaRPr lang="en-US"/>
           </a:p>
@@ -841,7 +841,7 @@
           <a:p>
             <a:fld id="{5A3358AF-644C-9544-8143-4AB4F84FB271}" type="datetime1">
               <a:rPr lang="en-US" smtClean="0"/>
-              <a:t>1/6/20</a:t>
+              <a:t>1/7/20</a:t>
             </a:fld>
             <a:endParaRPr lang="en-US"/>
           </a:p>
@@ -1077,7 +1077,7 @@
           <a:p>
             <a:fld id="{6A1EB52D-8D0C-1848-9ECA-D1601DE6F516}" type="datetime1">
               <a:rPr lang="en-US" smtClean="0"/>
-              <a:t>1/6/20</a:t>
+              <a:t>1/7/20</a:t>
             </a:fld>
             <a:endParaRPr lang="en-US"/>
           </a:p>
@@ -1257,7 +1257,7 @@
           <a:p>
             <a:fld id="{EFFE756C-A40E-1645-9B5E-56F6CED81B3E}" type="datetime1">
               <a:rPr lang="en-US" smtClean="0"/>
-              <a:t>1/6/20</a:t>
+              <a:t>1/7/20</a:t>
             </a:fld>
             <a:endParaRPr lang="en-US"/>
           </a:p>
@@ -1675,7 +1675,7 @@
           <a:p>
             <a:fld id="{5D03448D-8EE6-494F-BDE1-F5FCF8FAC3A9}" type="datetime1">
               <a:rPr lang="en-US" smtClean="0"/>
-              <a:t>1/6/20</a:t>
+              <a:t>1/7/20</a:t>
             </a:fld>
             <a:endParaRPr lang="en-US"/>
           </a:p>
@@ -1963,7 +1963,7 @@
           <a:p>
             <a:fld id="{CE9887B9-FC5E-1A4C-9BA2-7BEB030AC187}" type="datetime1">
               <a:rPr lang="en-US" smtClean="0"/>
-              <a:t>1/6/20</a:t>
+              <a:t>1/7/20</a:t>
             </a:fld>
             <a:endParaRPr lang="en-US"/>
           </a:p>
@@ -2385,7 +2385,7 @@
           <a:p>
             <a:fld id="{7CD3BC33-3EE3-4343-A693-2889CAF22343}" type="datetime1">
               <a:rPr lang="en-US" smtClean="0"/>
-              <a:t>1/6/20</a:t>
+              <a:t>1/7/20</a:t>
             </a:fld>
             <a:endParaRPr lang="en-US"/>
           </a:p>
@@ -2503,7 +2503,7 @@
           <a:p>
             <a:fld id="{B622619F-8923-D548-8F3D-8396F4A9DB1C}" type="datetime1">
               <a:rPr lang="en-US" smtClean="0"/>
-              <a:t>1/6/20</a:t>
+              <a:t>1/7/20</a:t>
             </a:fld>
             <a:endParaRPr lang="en-US"/>
           </a:p>
@@ -2598,7 +2598,7 @@
           <a:p>
             <a:fld id="{10E38838-6E6E-AD43-A201-219EB5CB3FC7}" type="datetime1">
               <a:rPr lang="en-US" smtClean="0"/>
-              <a:t>1/6/20</a:t>
+              <a:t>1/7/20</a:t>
             </a:fld>
             <a:endParaRPr lang="en-US"/>
           </a:p>
@@ -2875,7 +2875,7 @@
           <a:p>
             <a:fld id="{25C6F7F9-D749-AF43-887F-95832616F114}" type="datetime1">
               <a:rPr lang="en-US" smtClean="0"/>
-              <a:t>1/6/20</a:t>
+              <a:t>1/7/20</a:t>
             </a:fld>
             <a:endParaRPr lang="en-US"/>
           </a:p>
@@ -3132,7 +3132,7 @@
           <a:p>
             <a:fld id="{C6226550-C0A7-924B-8406-A9112C93619D}" type="datetime1">
               <a:rPr lang="en-US" smtClean="0"/>
-              <a:t>1/6/20</a:t>
+              <a:t>1/7/20</a:t>
             </a:fld>
             <a:endParaRPr lang="en-US"/>
           </a:p>
@@ -3835,13 +3835,13 @@
             <a:spLocks noGrp="1"/>
           </p:cNvSpPr>
           <p:nvPr>
-            <p:ph idx="1"/>
+            <p:ph sz="half" idx="1"/>
           </p:nvPr>
         </p:nvSpPr>
         <p:spPr/>
         <p:txBody>
           <a:bodyPr>
-            <a:normAutofit fontScale="70000" lnSpcReduction="20000"/>
+            <a:normAutofit fontScale="77500" lnSpcReduction="20000"/>
           </a:bodyPr>
           <a:lstStyle/>
           <a:p>
@@ -3851,9 +3851,16 @@
             </a:r>
           </a:p>
           <a:p>
+            <a:endParaRPr lang="en-US" dirty="0" smtClean="0"/>
+          </a:p>
+          <a:p>
             <a:r>
               <a:rPr lang="en-US" dirty="0" smtClean="0"/>
-              <a:t>Simple structures</a:t>
+              <a:t>Simple </a:t>
+            </a:r>
+            <a:r>
+              <a:rPr lang="en-US" dirty="0" smtClean="0"/>
+              <a:t>structures</a:t>
             </a:r>
           </a:p>
           <a:p>
@@ -3864,9 +3871,16 @@
             </a:r>
           </a:p>
           <a:p>
+            <a:endParaRPr lang="en-US" dirty="0" smtClean="0"/>
+          </a:p>
+          <a:p>
             <a:r>
               <a:rPr lang="en-US" dirty="0" smtClean="0"/>
-              <a:t>Sequence labeling problems </a:t>
+              <a:t>Sequence </a:t>
+            </a:r>
+            <a:r>
+              <a:rPr lang="en-US" dirty="0" smtClean="0"/>
+              <a:t>labeling problems </a:t>
             </a:r>
           </a:p>
           <a:p>
@@ -3877,70 +3891,103 @@
             </a:r>
           </a:p>
           <a:p>
+            <a:endParaRPr lang="en-US" dirty="0" smtClean="0"/>
+          </a:p>
+          <a:p>
             <a:r>
               <a:rPr lang="en-US" dirty="0" smtClean="0"/>
-              <a:t>Conditional models: How previous algorithms extend to general structures</a:t>
+              <a:t>Conditional </a:t>
+            </a:r>
+            <a:r>
+              <a:rPr lang="en-US" dirty="0" smtClean="0"/>
+              <a:t>models: How previous algorithms extend to general structures</a:t>
             </a:r>
           </a:p>
           <a:p>
             <a:endParaRPr lang="en-US" dirty="0" smtClean="0"/>
           </a:p>
           <a:p>
+            <a:endParaRPr lang="en-US" dirty="0" smtClean="0"/>
+          </a:p>
+        </p:txBody>
+      </p:sp>
+      <p:sp>
+        <p:nvSpPr>
+          <p:cNvPr id="5" name="Content Placeholder 4"/>
+          <p:cNvSpPr>
+            <a:spLocks noGrp="1"/>
+          </p:cNvSpPr>
+          <p:nvPr>
+            <p:ph sz="half" idx="2"/>
+          </p:nvPr>
+        </p:nvSpPr>
+        <p:spPr/>
+        <p:txBody>
+          <a:bodyPr>
+            <a:normAutofit fontScale="77500" lnSpcReduction="20000"/>
+          </a:bodyPr>
+          <a:lstStyle/>
+          <a:p>
+            <a:r>
+              <a:rPr lang="en-US" dirty="0"/>
+              <a:t>Inference: Predicting structures, complexity of inference and inference algorithms</a:t>
+            </a:r>
+          </a:p>
+          <a:p>
+            <a:endParaRPr lang="en-US" dirty="0"/>
+          </a:p>
+          <a:p>
+            <a:r>
+              <a:rPr lang="en-US" dirty="0"/>
+              <a:t>Different training regimes</a:t>
+            </a:r>
+          </a:p>
+          <a:p>
+            <a:pPr lvl="1"/>
+            <a:r>
+              <a:rPr lang="en-US" dirty="0"/>
+              <a:t>Training with/without inference</a:t>
+            </a:r>
+          </a:p>
+          <a:p>
+            <a:endParaRPr lang="en-US" dirty="0"/>
+          </a:p>
+          <a:p>
+            <a:r>
+              <a:rPr lang="en-US" dirty="0"/>
+              <a:t>Deep learning and structures</a:t>
+            </a:r>
+          </a:p>
+          <a:p>
+            <a:pPr lvl="1"/>
+            <a:r>
+              <a:rPr lang="en-US" dirty="0"/>
+              <a:t>Do we need inference at all?</a:t>
+            </a:r>
+          </a:p>
+          <a:p>
+            <a:endParaRPr lang="en-US" dirty="0"/>
+          </a:p>
+          <a:p>
+            <a:r>
+              <a:rPr lang="en-US" dirty="0"/>
+              <a:t>Learning without full supervision</a:t>
+            </a:r>
+          </a:p>
+          <a:p>
+            <a:pPr lvl="1"/>
+            <a:r>
+              <a:rPr lang="en-US" dirty="0"/>
+              <a:t>Latent variables, semi-supervised learning, </a:t>
+            </a:r>
             <a:r>
               <a:rPr lang="en-US" dirty="0" smtClean="0"/>
-              <a:t>Complexity of inference and inference algorithms</a:t>
-            </a:r>
-          </a:p>
-          <a:p>
-            <a:r>
-              <a:rPr lang="en-US" dirty="0" smtClean="0"/>
-              <a:t>Different training regimes</a:t>
-            </a:r>
-          </a:p>
-          <a:p>
-            <a:pPr lvl="1"/>
-            <a:r>
-              <a:rPr lang="en-US" dirty="0" smtClean="0"/>
-              <a:t>Training with/without inference</a:t>
-            </a:r>
-          </a:p>
-          <a:p>
-            <a:pPr lvl="1"/>
-            <a:r>
-              <a:rPr lang="en-US" dirty="0" smtClean="0"/>
-              <a:t>Constraint driven learning, posterior regularization</a:t>
-            </a:r>
-          </a:p>
-          <a:p>
-            <a:endParaRPr lang="en-US" dirty="0" smtClean="0"/>
-          </a:p>
-          <a:p>
-            <a:r>
-              <a:rPr lang="en-US" dirty="0" smtClean="0"/>
-              <a:t>Deep learning and structures</a:t>
-            </a:r>
-          </a:p>
-          <a:p>
-            <a:pPr lvl="1"/>
-            <a:r>
-              <a:rPr lang="en-US" dirty="0" smtClean="0"/>
-              <a:t>Do we need inference at all?</a:t>
-            </a:r>
-            <a:endParaRPr lang="en-US" dirty="0" smtClean="0"/>
-          </a:p>
-          <a:p>
-            <a:r>
-              <a:rPr lang="en-US" dirty="0" smtClean="0"/>
-              <a:t>Learning without full supervision</a:t>
-            </a:r>
-          </a:p>
-          <a:p>
-            <a:pPr lvl="1"/>
-            <a:r>
-              <a:rPr lang="en-US" dirty="0" smtClean="0"/>
-              <a:t>Latent variables, semi-supervised learning, indirect supervision</a:t>
-            </a:r>
-            <a:endParaRPr lang="en-US" dirty="0" smtClean="0"/>
+              <a:t>weak/incidental/indirect </a:t>
+            </a:r>
+            <a:r>
+              <a:rPr lang="en-US" dirty="0"/>
+              <a:t>supervision</a:t>
+            </a:r>
           </a:p>
         </p:txBody>
       </p:sp>
@@ -3981,332 +4028,7 @@
   <p:timing>
     <p:tnLst>
       <p:par>
-        <p:cTn id="1" dur="indefinite" restart="never" nodeType="tmRoot">
-          <p:childTnLst>
-            <p:seq concurrent="1" nextAc="seek">
-              <p:cTn id="2" dur="indefinite" nodeType="mainSeq">
-                <p:childTnLst>
-                  <p:par>
-                    <p:cTn id="3" fill="hold">
-                      <p:stCondLst>
-                        <p:cond delay="indefinite"/>
-                      </p:stCondLst>
-                      <p:childTnLst>
-                        <p:par>
-                          <p:cTn id="4" fill="hold">
-                            <p:stCondLst>
-                              <p:cond delay="0"/>
-                            </p:stCondLst>
-                            <p:childTnLst>
-                              <p:par>
-                                <p:cTn id="5" presetID="1" presetClass="entr" presetSubtype="0" fill="hold" nodeType="clickEffect">
-                                  <p:stCondLst>
-                                    <p:cond delay="0"/>
-                                  </p:stCondLst>
-                                  <p:childTnLst>
-                                    <p:set>
-                                      <p:cBhvr>
-                                        <p:cTn id="6" dur="1" fill="hold">
-                                          <p:stCondLst>
-                                            <p:cond delay="0"/>
-                                          </p:stCondLst>
-                                        </p:cTn>
-                                        <p:tgtEl>
-                                          <p:spTgt spid="3">
-                                            <p:txEl>
-                                              <p:pRg st="7" end="7"/>
-                                            </p:txEl>
-                                          </p:spTgt>
-                                        </p:tgtEl>
-                                        <p:attrNameLst>
-                                          <p:attrName>style.visibility</p:attrName>
-                                        </p:attrNameLst>
-                                      </p:cBhvr>
-                                      <p:to>
-                                        <p:strVal val="visible"/>
-                                      </p:to>
-                                    </p:set>
-                                  </p:childTnLst>
-                                </p:cTn>
-                              </p:par>
-                              <p:par>
-                                <p:cTn id="7" presetID="1" presetClass="entr" presetSubtype="0" fill="hold" nodeType="withEffect">
-                                  <p:stCondLst>
-                                    <p:cond delay="0"/>
-                                  </p:stCondLst>
-                                  <p:childTnLst>
-                                    <p:set>
-                                      <p:cBhvr>
-                                        <p:cTn id="8" dur="1" fill="hold">
-                                          <p:stCondLst>
-                                            <p:cond delay="0"/>
-                                          </p:stCondLst>
-                                        </p:cTn>
-                                        <p:tgtEl>
-                                          <p:spTgt spid="3">
-                                            <p:txEl>
-                                              <p:pRg st="8" end="8"/>
-                                            </p:txEl>
-                                          </p:spTgt>
-                                        </p:tgtEl>
-                                        <p:attrNameLst>
-                                          <p:attrName>style.visibility</p:attrName>
-                                        </p:attrNameLst>
-                                      </p:cBhvr>
-                                      <p:to>
-                                        <p:strVal val="visible"/>
-                                      </p:to>
-                                    </p:set>
-                                  </p:childTnLst>
-                                </p:cTn>
-                              </p:par>
-                              <p:par>
-                                <p:cTn id="9" presetID="1" presetClass="entr" presetSubtype="0" fill="hold" nodeType="withEffect">
-                                  <p:stCondLst>
-                                    <p:cond delay="0"/>
-                                  </p:stCondLst>
-                                  <p:childTnLst>
-                                    <p:set>
-                                      <p:cBhvr>
-                                        <p:cTn id="10" dur="1" fill="hold">
-                                          <p:stCondLst>
-                                            <p:cond delay="0"/>
-                                          </p:stCondLst>
-                                        </p:cTn>
-                                        <p:tgtEl>
-                                          <p:spTgt spid="3">
-                                            <p:txEl>
-                                              <p:pRg st="9" end="9"/>
-                                            </p:txEl>
-                                          </p:spTgt>
-                                        </p:tgtEl>
-                                        <p:attrNameLst>
-                                          <p:attrName>style.visibility</p:attrName>
-                                        </p:attrNameLst>
-                                      </p:cBhvr>
-                                      <p:to>
-                                        <p:strVal val="visible"/>
-                                      </p:to>
-                                    </p:set>
-                                  </p:childTnLst>
-                                </p:cTn>
-                              </p:par>
-                              <p:par>
-                                <p:cTn id="11" presetID="1" presetClass="entr" presetSubtype="0" fill="hold" nodeType="withEffect">
-                                  <p:stCondLst>
-                                    <p:cond delay="0"/>
-                                  </p:stCondLst>
-                                  <p:childTnLst>
-                                    <p:set>
-                                      <p:cBhvr>
-                                        <p:cTn id="12" dur="1" fill="hold">
-                                          <p:stCondLst>
-                                            <p:cond delay="0"/>
-                                          </p:stCondLst>
-                                        </p:cTn>
-                                        <p:tgtEl>
-                                          <p:spTgt spid="3">
-                                            <p:txEl>
-                                              <p:pRg st="10" end="10"/>
-                                            </p:txEl>
-                                          </p:spTgt>
-                                        </p:tgtEl>
-                                        <p:attrNameLst>
-                                          <p:attrName>style.visibility</p:attrName>
-                                        </p:attrNameLst>
-                                      </p:cBhvr>
-                                      <p:to>
-                                        <p:strVal val="visible"/>
-                                      </p:to>
-                                    </p:set>
-                                  </p:childTnLst>
-                                </p:cTn>
-                              </p:par>
-                            </p:childTnLst>
-                          </p:cTn>
-                        </p:par>
-                      </p:childTnLst>
-                    </p:cTn>
-                  </p:par>
-                  <p:par>
-                    <p:cTn id="13" fill="hold">
-                      <p:stCondLst>
-                        <p:cond delay="indefinite"/>
-                      </p:stCondLst>
-                      <p:childTnLst>
-                        <p:par>
-                          <p:cTn id="14" fill="hold">
-                            <p:stCondLst>
-                              <p:cond delay="0"/>
-                            </p:stCondLst>
-                            <p:childTnLst>
-                              <p:par>
-                                <p:cTn id="15" presetID="1" presetClass="entr" presetSubtype="0" fill="hold" nodeType="clickEffect">
-                                  <p:stCondLst>
-                                    <p:cond delay="0"/>
-                                  </p:stCondLst>
-                                  <p:childTnLst>
-                                    <p:set>
-                                      <p:cBhvr>
-                                        <p:cTn id="16" dur="1" fill="hold">
-                                          <p:stCondLst>
-                                            <p:cond delay="0"/>
-                                          </p:stCondLst>
-                                        </p:cTn>
-                                        <p:tgtEl>
-                                          <p:spTgt spid="3">
-                                            <p:txEl>
-                                              <p:pRg st="12" end="12"/>
-                                            </p:txEl>
-                                          </p:spTgt>
-                                        </p:tgtEl>
-                                        <p:attrNameLst>
-                                          <p:attrName>style.visibility</p:attrName>
-                                        </p:attrNameLst>
-                                      </p:cBhvr>
-                                      <p:to>
-                                        <p:strVal val="visible"/>
-                                      </p:to>
-                                    </p:set>
-                                  </p:childTnLst>
-                                </p:cTn>
-                              </p:par>
-                            </p:childTnLst>
-                          </p:cTn>
-                        </p:par>
-                      </p:childTnLst>
-                    </p:cTn>
-                  </p:par>
-                  <p:par>
-                    <p:cTn id="17" fill="hold">
-                      <p:stCondLst>
-                        <p:cond delay="indefinite"/>
-                      </p:stCondLst>
-                      <p:childTnLst>
-                        <p:par>
-                          <p:cTn id="18" fill="hold">
-                            <p:stCondLst>
-                              <p:cond delay="0"/>
-                            </p:stCondLst>
-                            <p:childTnLst>
-                              <p:par>
-                                <p:cTn id="19" presetID="1" presetClass="entr" presetSubtype="0" fill="hold" nodeType="clickEffect">
-                                  <p:stCondLst>
-                                    <p:cond delay="0"/>
-                                  </p:stCondLst>
-                                  <p:childTnLst>
-                                    <p:set>
-                                      <p:cBhvr>
-                                        <p:cTn id="20" dur="1" fill="hold">
-                                          <p:stCondLst>
-                                            <p:cond delay="0"/>
-                                          </p:stCondLst>
-                                        </p:cTn>
-                                        <p:tgtEl>
-                                          <p:spTgt spid="3">
-                                            <p:txEl>
-                                              <p:pRg st="13" end="13"/>
-                                            </p:txEl>
-                                          </p:spTgt>
-                                        </p:tgtEl>
-                                        <p:attrNameLst>
-                                          <p:attrName>style.visibility</p:attrName>
-                                        </p:attrNameLst>
-                                      </p:cBhvr>
-                                      <p:to>
-                                        <p:strVal val="visible"/>
-                                      </p:to>
-                                    </p:set>
-                                  </p:childTnLst>
-                                </p:cTn>
-                              </p:par>
-                              <p:par>
-                                <p:cTn id="21" presetID="1" presetClass="entr" presetSubtype="0" fill="hold" nodeType="withEffect">
-                                  <p:stCondLst>
-                                    <p:cond delay="0"/>
-                                  </p:stCondLst>
-                                  <p:childTnLst>
-                                    <p:set>
-                                      <p:cBhvr>
-                                        <p:cTn id="22" dur="1" fill="hold">
-                                          <p:stCondLst>
-                                            <p:cond delay="0"/>
-                                          </p:stCondLst>
-                                        </p:cTn>
-                                        <p:tgtEl>
-                                          <p:spTgt spid="3">
-                                            <p:txEl>
-                                              <p:pRg st="14" end="14"/>
-                                            </p:txEl>
-                                          </p:spTgt>
-                                        </p:tgtEl>
-                                        <p:attrNameLst>
-                                          <p:attrName>style.visibility</p:attrName>
-                                        </p:attrNameLst>
-                                      </p:cBhvr>
-                                      <p:to>
-                                        <p:strVal val="visible"/>
-                                      </p:to>
-                                    </p:set>
-                                  </p:childTnLst>
-                                </p:cTn>
-                              </p:par>
-                              <p:par>
-                                <p:cTn id="23" presetID="1" presetClass="entr" presetSubtype="0" fill="hold" nodeType="withEffect">
-                                  <p:stCondLst>
-                                    <p:cond delay="0"/>
-                                  </p:stCondLst>
-                                  <p:childTnLst>
-                                    <p:set>
-                                      <p:cBhvr>
-                                        <p:cTn id="24" dur="1" fill="hold">
-                                          <p:stCondLst>
-                                            <p:cond delay="0"/>
-                                          </p:stCondLst>
-                                        </p:cTn>
-                                        <p:tgtEl>
-                                          <p:spTgt spid="3">
-                                            <p:txEl>
-                                              <p:pRg st="15" end="15"/>
-                                            </p:txEl>
-                                          </p:spTgt>
-                                        </p:tgtEl>
-                                        <p:attrNameLst>
-                                          <p:attrName>style.visibility</p:attrName>
-                                        </p:attrNameLst>
-                                      </p:cBhvr>
-                                      <p:to>
-                                        <p:strVal val="visible"/>
-                                      </p:to>
-                                    </p:set>
-                                  </p:childTnLst>
-                                </p:cTn>
-                              </p:par>
-                            </p:childTnLst>
-                          </p:cTn>
-                        </p:par>
-                      </p:childTnLst>
-                    </p:cTn>
-                  </p:par>
-                </p:childTnLst>
-              </p:cTn>
-              <p:prevCondLst>
-                <p:cond evt="onPrev" delay="0">
-                  <p:tgtEl>
-                    <p:sldTgt/>
-                  </p:tgtEl>
-                </p:cond>
-              </p:prevCondLst>
-              <p:nextCondLst>
-                <p:cond evt="onNext" delay="0">
-                  <p:tgtEl>
-                    <p:sldTgt/>
-                  </p:tgtEl>
-                </p:cond>
-              </p:nextCondLst>
-            </p:seq>
-          </p:childTnLst>
-        </p:cTn>
+        <p:cTn id="1" dur="indefinite" restart="never" nodeType="tmRoot"/>
       </p:par>
     </p:tnLst>
   </p:timing>
@@ -4366,7 +4088,7 @@
         <p:spPr/>
         <p:txBody>
           <a:bodyPr>
-            <a:normAutofit fontScale="92500" lnSpcReduction="10000"/>
+            <a:normAutofit fontScale="92500"/>
           </a:bodyPr>
           <a:lstStyle/>
           <a:p>
@@ -4469,32 +4191,21 @@
             <a:pPr lvl="1"/>
             <a:r>
               <a:rPr lang="en-US" dirty="0" smtClean="0"/>
-              <a:t>Using domain knowledge to	</a:t>
-            </a:r>
-          </a:p>
-          <a:p>
-            <a:pPr lvl="2"/>
+              <a:t>Using domain </a:t>
+            </a:r>
             <a:r>
               <a:rPr lang="en-US" dirty="0" smtClean="0"/>
-              <a:t>Define features</a:t>
-            </a:r>
-          </a:p>
-          <a:p>
-            <a:pPr lvl="2"/>
+              <a:t>knowledge for these steps</a:t>
+            </a:r>
+          </a:p>
+          <a:p>
+            <a:pPr lvl="1"/>
             <a:r>
               <a:rPr lang="en-US" dirty="0" smtClean="0"/>
-              <a:t>Define models</a:t>
-            </a:r>
-          </a:p>
-          <a:p>
-            <a:pPr lvl="2"/>
-            <a:r>
-              <a:rPr lang="en-US" dirty="0" smtClean="0"/>
-              <a:t>Make better predictions</a:t>
-            </a:r>
-          </a:p>
-          <a:p>
-            <a:pPr lvl="2"/>
+              <a:t>Overview of recent literature</a:t>
+            </a:r>
+          </a:p>
+          <a:p>
             <a:endParaRPr lang="en-US" dirty="0"/>
           </a:p>
         </p:txBody>
@@ -4846,7 +4557,11 @@
             </a:pPr>
             <a:r>
               <a:rPr lang="en-US" dirty="0" smtClean="0"/>
-              <a:t>One or two assignments</a:t>
+              <a:t>One or two </a:t>
+            </a:r>
+            <a:r>
+              <a:rPr lang="en-US" dirty="0" smtClean="0"/>
+              <a:t>more assignments</a:t>
             </a:r>
             <a:endParaRPr lang="en-US" dirty="0" smtClean="0"/>
           </a:p>
@@ -4875,13 +4590,8 @@
             </a:r>
             <a:r>
               <a:rPr lang="en-US" dirty="0" smtClean="0"/>
-              <a:t> </a:t>
-            </a:r>
-            <a:r>
-              <a:rPr lang="en-US" dirty="0" smtClean="0"/>
-              <a:t>poster session.</a:t>
-            </a:r>
-            <a:endParaRPr lang="en-US" dirty="0" smtClean="0"/>
+              <a:t> poster session.</a:t>
+            </a:r>
           </a:p>
           <a:p>
             <a:endParaRPr lang="en-US" dirty="0"/>
@@ -4922,7 +4632,7 @@
         </p:nvSpPr>
         <p:spPr>
           <a:xfrm>
-            <a:off x="808481" y="6316849"/>
+            <a:off x="4009610" y="6255996"/>
             <a:ext cx="1118515" cy="338554"/>
           </a:xfrm>
           <a:prstGeom prst="rect">
@@ -4981,13 +4691,7 @@
               <a:rPr lang="en-US" sz="1800" dirty="0" smtClean="0">
                 <a:hlinkClick r:id="rId2"/>
               </a:rPr>
-              <a:t>https://</a:t>
-            </a:r>
-            <a:r>
-              <a:rPr lang="en-US" sz="1800" dirty="0" smtClean="0">
-                <a:hlinkClick r:id="rId2"/>
-              </a:rPr>
-              <a:t>svivek.com/teaching/structured-prediction</a:t>
+              <a:t>https://svivek.com/teaching/structured-prediction</a:t>
             </a:r>
             <a:r>
               <a:rPr lang="en-US" sz="1800" dirty="0" smtClean="0"/>
@@ -5272,47 +4976,6 @@
               <a:t>6</a:t>
             </a:fld>
             <a:endParaRPr lang="en-US"/>
-          </a:p>
-        </p:txBody>
-      </p:sp>
-      <p:sp>
-        <p:nvSpPr>
-          <p:cNvPr id="6" name="Rectangle 5"/>
-          <p:cNvSpPr/>
-          <p:nvPr/>
-        </p:nvSpPr>
-        <p:spPr>
-          <a:xfrm>
-            <a:off x="450936" y="937567"/>
-            <a:ext cx="8235864" cy="369332"/>
-          </a:xfrm>
-          <a:prstGeom prst="rect">
-            <a:avLst/>
-          </a:prstGeom>
-        </p:spPr>
-        <p:txBody>
-          <a:bodyPr wrap="square">
-            <a:spAutoFit/>
-          </a:bodyPr>
-          <a:lstStyle/>
-          <a:p>
-            <a:r>
-              <a:rPr lang="en-US" sz="1800" dirty="0"/>
-              <a:t>Course website: </a:t>
-            </a:r>
-            <a:r>
-              <a:rPr lang="en-US" sz="1800" dirty="0" smtClean="0"/>
-              <a:t>https://</a:t>
-            </a:r>
-            <a:r>
-              <a:rPr lang="en-US" sz="1800" dirty="0" err="1" smtClean="0"/>
-              <a:t>svivek.com</a:t>
-            </a:r>
-            <a:r>
-              <a:rPr lang="en-US" sz="1800" dirty="0" smtClean="0"/>
-              <a:t>/teaching/structured-prediction</a:t>
-            </a:r>
-            <a:endParaRPr lang="en-US" sz="1800" dirty="0"/>
           </a:p>
         </p:txBody>
       </p:sp>
@@ -5726,13 +5389,8 @@
             </a:pPr>
             <a:r>
               <a:rPr lang="en-US" sz="2400" b="1" dirty="0" smtClean="0"/>
-              <a:t>TA: </a:t>
-            </a:r>
-            <a:r>
-              <a:rPr lang="en-US" sz="2400" b="1" dirty="0" smtClean="0"/>
-              <a:t>Yuan Zhuang</a:t>
-            </a:r>
-            <a:endParaRPr lang="en-US" sz="2400" b="1" dirty="0" smtClean="0"/>
+              <a:t>TA: Yuan Zhuang</a:t>
+            </a:r>
           </a:p>
           <a:p>
             <a:pPr marL="0" indent="0">
@@ -5888,6 +5546,45 @@
                 <a:schemeClr val="accent1"/>
               </a:solidFill>
             </a:endParaRPr>
+          </a:p>
+        </p:txBody>
+      </p:sp>
+      <p:sp>
+        <p:nvSpPr>
+          <p:cNvPr id="15" name="Rectangle 14"/>
+          <p:cNvSpPr/>
+          <p:nvPr/>
+        </p:nvSpPr>
+        <p:spPr>
+          <a:xfrm>
+            <a:off x="450936" y="937567"/>
+            <a:ext cx="8235864" cy="369332"/>
+          </a:xfrm>
+          <a:prstGeom prst="rect">
+            <a:avLst/>
+          </a:prstGeom>
+        </p:spPr>
+        <p:txBody>
+          <a:bodyPr wrap="square">
+            <a:spAutoFit/>
+          </a:bodyPr>
+          <a:lstStyle/>
+          <a:p>
+            <a:r>
+              <a:rPr lang="en-US" sz="1800" dirty="0"/>
+              <a:t>Course website: </a:t>
+            </a:r>
+            <a:r>
+              <a:rPr lang="en-US" sz="1800" dirty="0" smtClean="0">
+                <a:hlinkClick r:id="rId2"/>
+              </a:rPr>
+              <a:t>https://svivek.com/teaching/structured-prediction</a:t>
+            </a:r>
+            <a:r>
+              <a:rPr lang="en-US" sz="1800" dirty="0" smtClean="0"/>
+              <a:t> </a:t>
+            </a:r>
+            <a:endParaRPr lang="en-US" sz="1800" dirty="0"/>
           </a:p>
         </p:txBody>
       </p:sp>
@@ -6398,7 +6095,7 @@
         <p:spPr/>
         <p:txBody>
           <a:bodyPr>
-            <a:normAutofit fontScale="92500"/>
+            <a:normAutofit lnSpcReduction="10000"/>
           </a:bodyPr>
           <a:lstStyle/>
           <a:p>
@@ -6422,29 +6119,22 @@
             <a:pPr lvl="1"/>
             <a:r>
               <a:rPr lang="en-US" dirty="0" smtClean="0"/>
-              <a:t>The School of Computing policy on academic misconduct</a:t>
-            </a:r>
-          </a:p>
-          <a:p>
-            <a:pPr lvl="2"/>
+              <a:t>School </a:t>
+            </a:r>
             <a:r>
               <a:rPr lang="en-US" dirty="0" smtClean="0"/>
-              <a:t>If you haven’t already done this, read and sign the </a:t>
-            </a:r>
-            <a:r>
-              <a:rPr lang="en-US" dirty="0" err="1" smtClean="0"/>
-              <a:t>SoC</a:t>
-            </a:r>
+              <a:t>of Computing policy on academic misconduct</a:t>
+            </a:r>
+          </a:p>
+          <a:p>
+            <a:pPr lvl="1"/>
             <a:r>
               <a:rPr lang="en-US" dirty="0" smtClean="0"/>
-              <a:t> policy acknowledgement form within two weeks</a:t>
-            </a:r>
-          </a:p>
-          <a:p>
-            <a:pPr lvl="1"/>
+              <a:t>Acknowledge </a:t>
+            </a:r>
             <a:r>
               <a:rPr lang="en-US" dirty="0" smtClean="0"/>
-              <a:t>Acknowledge sources and discussions in all deliverables</a:t>
+              <a:t>sources and discussions in all deliverables</a:t>
             </a:r>
             <a:endParaRPr lang="en-US" dirty="0"/>
           </a:p>
@@ -6704,15 +6394,7 @@
             </a:pPr>
             <a:r>
               <a:rPr lang="en-US" dirty="0" smtClean="0"/>
-              <a:t>This is an </a:t>
-            </a:r>
-            <a:r>
-              <a:rPr lang="en-US" dirty="0" smtClean="0"/>
-              <a:t>advanced topics </a:t>
-            </a:r>
-            <a:r>
-              <a:rPr lang="en-US" dirty="0" smtClean="0"/>
-              <a:t>course aimed at helping you navigate recent research.</a:t>
+              <a:t>This is an advanced topics course aimed at helping you navigate recent research.</a:t>
             </a:r>
           </a:p>
           <a:p>

--- a/slides/info/info.pptx
+++ b/slides/info/info.pptx
@@ -5,21 +5,19 @@
     <p:sldMasterId id="2147483684" r:id="rId1"/>
   </p:sldMasterIdLst>
   <p:notesMasterIdLst>
-    <p:notesMasterId r:id="rId11"/>
+    <p:notesMasterId r:id="rId9"/>
   </p:notesMasterIdLst>
   <p:handoutMasterIdLst>
-    <p:handoutMasterId r:id="rId12"/>
+    <p:handoutMasterId r:id="rId10"/>
   </p:handoutMasterIdLst>
   <p:sldIdLst>
     <p:sldId id="256" r:id="rId2"/>
-    <p:sldId id="267" r:id="rId3"/>
-    <p:sldId id="258" r:id="rId4"/>
-    <p:sldId id="268" r:id="rId5"/>
-    <p:sldId id="261" r:id="rId6"/>
-    <p:sldId id="262" r:id="rId7"/>
-    <p:sldId id="263" r:id="rId8"/>
-    <p:sldId id="264" r:id="rId9"/>
-    <p:sldId id="265" r:id="rId10"/>
+    <p:sldId id="261" r:id="rId3"/>
+    <p:sldId id="262" r:id="rId4"/>
+    <p:sldId id="263" r:id="rId5"/>
+    <p:sldId id="269" r:id="rId6"/>
+    <p:sldId id="264" r:id="rId7"/>
+    <p:sldId id="265" r:id="rId8"/>
   </p:sldIdLst>
   <p:sldSz cx="9144000" cy="6858000" type="screen4x3"/>
   <p:notesSz cx="6858000" cy="9144000"/>
@@ -219,7 +217,7 @@
           <a:p>
             <a:fld id="{219516E0-8CE9-4E45-BBE4-0253E629E185}" type="datetimeFigureOut">
               <a:rPr lang="en-US" smtClean="0"/>
-              <a:t>1/7/20</a:t>
+              <a:t>1/18/21</a:t>
             </a:fld>
             <a:endParaRPr lang="en-US"/>
           </a:p>
@@ -385,7 +383,7 @@
           <a:p>
             <a:fld id="{14993CBD-1C97-524F-B07C-B45DC8EF186A}" type="datetimeFigureOut">
               <a:rPr lang="en-US" smtClean="0"/>
-              <a:t>1/7/20</a:t>
+              <a:t>1/18/21</a:t>
             </a:fld>
             <a:endParaRPr lang="en-US"/>
           </a:p>
@@ -449,38 +447,37 @@
           <a:p>
             <a:pPr lvl="0"/>
             <a:r>
-              <a:rPr lang="en-US" smtClean="0"/>
+              <a:rPr lang="en-US"/>
               <a:t>Click to edit Master text styles</a:t>
             </a:r>
           </a:p>
           <a:p>
             <a:pPr lvl="1"/>
             <a:r>
-              <a:rPr lang="en-US" smtClean="0"/>
+              <a:rPr lang="en-US"/>
               <a:t>Second level</a:t>
             </a:r>
           </a:p>
           <a:p>
             <a:pPr lvl="2"/>
             <a:r>
-              <a:rPr lang="en-US" smtClean="0"/>
+              <a:rPr lang="en-US"/>
               <a:t>Third level</a:t>
             </a:r>
           </a:p>
           <a:p>
             <a:pPr lvl="3"/>
             <a:r>
-              <a:rPr lang="en-US" smtClean="0"/>
+              <a:rPr lang="en-US"/>
               <a:t>Fourth level</a:t>
             </a:r>
           </a:p>
           <a:p>
             <a:pPr lvl="4"/>
             <a:r>
-              <a:rPr lang="en-US" smtClean="0"/>
+              <a:rPr lang="en-US"/>
               <a:t>Fifth level</a:t>
             </a:r>
-            <a:endParaRPr lang="en-US"/>
           </a:p>
         </p:txBody>
       </p:sp>
@@ -696,7 +693,7 @@
           </a:lstStyle>
           <a:p>
             <a:r>
-              <a:rPr lang="en-US" smtClean="0"/>
+              <a:rPr lang="en-US"/>
               <a:t>Click to edit Master title style</a:t>
             </a:r>
             <a:endParaRPr lang="en-US" dirty="0"/>
@@ -817,10 +814,9 @@
           </a:lstStyle>
           <a:p>
             <a:r>
-              <a:rPr lang="en-US" dirty="0" smtClean="0"/>
+              <a:rPr lang="en-US" dirty="0"/>
               <a:t>Lecture</a:t>
             </a:r>
-            <a:endParaRPr lang="en-US" dirty="0"/>
           </a:p>
         </p:txBody>
       </p:sp>
@@ -841,7 +837,7 @@
           <a:p>
             <a:fld id="{5A3358AF-644C-9544-8143-4AB4F84FB271}" type="datetime1">
               <a:rPr lang="en-US" smtClean="0"/>
-              <a:t>1/7/20</a:t>
+              <a:t>1/18/21</a:t>
             </a:fld>
             <a:endParaRPr lang="en-US"/>
           </a:p>
@@ -912,7 +908,7 @@
           <a:p>
             <a:pPr algn="ctr"/>
             <a:r>
-              <a:rPr lang="en-US" sz="1800" dirty="0" smtClean="0">
+              <a:rPr lang="en-US" sz="1800" dirty="0">
                 <a:solidFill>
                   <a:schemeClr val="tx1">
                     <a:lumMod val="75000"/>
@@ -1001,10 +997,9 @@
           <a:lstStyle/>
           <a:p>
             <a:r>
-              <a:rPr lang="en-US" smtClean="0"/>
+              <a:rPr lang="en-US"/>
               <a:t>Click to edit Master title style</a:t>
             </a:r>
-            <a:endParaRPr lang="en-US"/>
           </a:p>
         </p:txBody>
       </p:sp>
@@ -1025,38 +1020,37 @@
           <a:p>
             <a:pPr lvl="0"/>
             <a:r>
-              <a:rPr lang="en-US" smtClean="0"/>
+              <a:rPr lang="en-US"/>
               <a:t>Click to edit Master text styles</a:t>
             </a:r>
           </a:p>
           <a:p>
             <a:pPr lvl="1"/>
             <a:r>
-              <a:rPr lang="en-US" smtClean="0"/>
+              <a:rPr lang="en-US"/>
               <a:t>Second level</a:t>
             </a:r>
           </a:p>
           <a:p>
             <a:pPr lvl="2"/>
             <a:r>
-              <a:rPr lang="en-US" smtClean="0"/>
+              <a:rPr lang="en-US"/>
               <a:t>Third level</a:t>
             </a:r>
           </a:p>
           <a:p>
             <a:pPr lvl="3"/>
             <a:r>
-              <a:rPr lang="en-US" smtClean="0"/>
+              <a:rPr lang="en-US"/>
               <a:t>Fourth level</a:t>
             </a:r>
           </a:p>
           <a:p>
             <a:pPr lvl="4"/>
             <a:r>
-              <a:rPr lang="en-US" smtClean="0"/>
+              <a:rPr lang="en-US"/>
               <a:t>Fifth level</a:t>
             </a:r>
-            <a:endParaRPr lang="en-US"/>
           </a:p>
         </p:txBody>
       </p:sp>
@@ -1077,7 +1071,7 @@
           <a:p>
             <a:fld id="{6A1EB52D-8D0C-1848-9ECA-D1601DE6F516}" type="datetime1">
               <a:rPr lang="en-US" smtClean="0"/>
-              <a:t>1/7/20</a:t>
+              <a:t>1/18/21</a:t>
             </a:fld>
             <a:endParaRPr lang="en-US"/>
           </a:p>
@@ -1176,10 +1170,9 @@
           <a:lstStyle/>
           <a:p>
             <a:r>
-              <a:rPr lang="en-US" smtClean="0"/>
+              <a:rPr lang="en-US"/>
               <a:t>Click to edit Master title style</a:t>
             </a:r>
-            <a:endParaRPr lang="en-US"/>
           </a:p>
         </p:txBody>
       </p:sp>
@@ -1205,38 +1198,37 @@
           <a:p>
             <a:pPr lvl="0"/>
             <a:r>
-              <a:rPr lang="en-US" smtClean="0"/>
+              <a:rPr lang="en-US"/>
               <a:t>Click to edit Master text styles</a:t>
             </a:r>
           </a:p>
           <a:p>
             <a:pPr lvl="1"/>
             <a:r>
-              <a:rPr lang="en-US" smtClean="0"/>
+              <a:rPr lang="en-US"/>
               <a:t>Second level</a:t>
             </a:r>
           </a:p>
           <a:p>
             <a:pPr lvl="2"/>
             <a:r>
-              <a:rPr lang="en-US" smtClean="0"/>
+              <a:rPr lang="en-US"/>
               <a:t>Third level</a:t>
             </a:r>
           </a:p>
           <a:p>
             <a:pPr lvl="3"/>
             <a:r>
-              <a:rPr lang="en-US" smtClean="0"/>
+              <a:rPr lang="en-US"/>
               <a:t>Fourth level</a:t>
             </a:r>
           </a:p>
           <a:p>
             <a:pPr lvl="4"/>
             <a:r>
-              <a:rPr lang="en-US" smtClean="0"/>
+              <a:rPr lang="en-US"/>
               <a:t>Fifth level</a:t>
             </a:r>
-            <a:endParaRPr lang="en-US"/>
           </a:p>
         </p:txBody>
       </p:sp>
@@ -1257,7 +1249,7 @@
           <a:p>
             <a:fld id="{EFFE756C-A40E-1645-9B5E-56F6CED81B3E}" type="datetime1">
               <a:rPr lang="en-US" smtClean="0"/>
-              <a:t>1/7/20</a:t>
+              <a:t>1/18/21</a:t>
             </a:fld>
             <a:endParaRPr lang="en-US"/>
           </a:p>
@@ -1355,7 +1347,7 @@
           </a:lstStyle>
           <a:p>
             <a:r>
-              <a:rPr lang="en-US" smtClean="0"/>
+              <a:rPr lang="en-US"/>
               <a:t>Click to edit Master title style</a:t>
             </a:r>
             <a:endParaRPr lang="en-US" dirty="0"/>
@@ -1379,38 +1371,37 @@
           <a:p>
             <a:pPr lvl="0"/>
             <a:r>
-              <a:rPr lang="en-US" smtClean="0"/>
+              <a:rPr lang="en-US"/>
               <a:t>Click to edit Master text styles</a:t>
             </a:r>
           </a:p>
           <a:p>
             <a:pPr lvl="1"/>
             <a:r>
-              <a:rPr lang="en-US" smtClean="0"/>
+              <a:rPr lang="en-US"/>
               <a:t>Second level</a:t>
             </a:r>
           </a:p>
           <a:p>
             <a:pPr lvl="2"/>
             <a:r>
-              <a:rPr lang="en-US" smtClean="0"/>
+              <a:rPr lang="en-US"/>
               <a:t>Third level</a:t>
             </a:r>
           </a:p>
           <a:p>
             <a:pPr lvl="3"/>
             <a:r>
-              <a:rPr lang="en-US" smtClean="0"/>
+              <a:rPr lang="en-US"/>
               <a:t>Fourth level</a:t>
             </a:r>
           </a:p>
           <a:p>
             <a:pPr lvl="4"/>
             <a:r>
-              <a:rPr lang="en-US" smtClean="0"/>
+              <a:rPr lang="en-US"/>
               <a:t>Fifth level</a:t>
             </a:r>
-            <a:endParaRPr lang="en-US"/>
           </a:p>
         </p:txBody>
       </p:sp>
@@ -1448,7 +1439,7 @@
           <a:bodyPr/>
           <a:lstStyle/>
           <a:p>
-            <a:endParaRPr lang="en-US" dirty="0" smtClean="0"/>
+            <a:endParaRPr lang="en-US" dirty="0"/>
           </a:p>
         </p:txBody>
       </p:sp>
@@ -1532,7 +1523,7 @@
           </a:lstStyle>
           <a:p>
             <a:r>
-              <a:rPr lang="en-US" smtClean="0"/>
+              <a:rPr lang="en-US"/>
               <a:t>Click to edit Master title style</a:t>
             </a:r>
             <a:endParaRPr lang="en-US" dirty="0"/>
@@ -1652,7 +1643,7 @@
           <a:p>
             <a:pPr lvl="0"/>
             <a:r>
-              <a:rPr lang="en-US" smtClean="0"/>
+              <a:rPr lang="en-US"/>
               <a:t>Click to edit Master text styles</a:t>
             </a:r>
           </a:p>
@@ -1675,7 +1666,7 @@
           <a:p>
             <a:fld id="{5D03448D-8EE6-494F-BDE1-F5FCF8FAC3A9}" type="datetime1">
               <a:rPr lang="en-US" smtClean="0"/>
-              <a:t>1/7/20</a:t>
+              <a:t>1/18/21</a:t>
             </a:fld>
             <a:endParaRPr lang="en-US"/>
           </a:p>
@@ -1769,10 +1760,9 @@
           <a:lstStyle/>
           <a:p>
             <a:r>
-              <a:rPr lang="en-US" smtClean="0"/>
+              <a:rPr lang="en-US"/>
               <a:t>Click to edit Master title style</a:t>
             </a:r>
-            <a:endParaRPr lang="en-US"/>
           </a:p>
         </p:txBody>
       </p:sp>
@@ -1826,38 +1816,37 @@
           <a:p>
             <a:pPr lvl="0"/>
             <a:r>
-              <a:rPr lang="en-US" smtClean="0"/>
+              <a:rPr lang="en-US"/>
               <a:t>Click to edit Master text styles</a:t>
             </a:r>
           </a:p>
           <a:p>
             <a:pPr lvl="1"/>
             <a:r>
-              <a:rPr lang="en-US" smtClean="0"/>
+              <a:rPr lang="en-US"/>
               <a:t>Second level</a:t>
             </a:r>
           </a:p>
           <a:p>
             <a:pPr lvl="2"/>
             <a:r>
-              <a:rPr lang="en-US" smtClean="0"/>
+              <a:rPr lang="en-US"/>
               <a:t>Third level</a:t>
             </a:r>
           </a:p>
           <a:p>
             <a:pPr lvl="3"/>
             <a:r>
-              <a:rPr lang="en-US" smtClean="0"/>
+              <a:rPr lang="en-US"/>
               <a:t>Fourth level</a:t>
             </a:r>
           </a:p>
           <a:p>
             <a:pPr lvl="4"/>
             <a:r>
-              <a:rPr lang="en-US" smtClean="0"/>
+              <a:rPr lang="en-US"/>
               <a:t>Fifth level</a:t>
             </a:r>
-            <a:endParaRPr lang="en-US"/>
           </a:p>
         </p:txBody>
       </p:sp>
@@ -1911,38 +1900,37 @@
           <a:p>
             <a:pPr lvl="0"/>
             <a:r>
-              <a:rPr lang="en-US" smtClean="0"/>
+              <a:rPr lang="en-US"/>
               <a:t>Click to edit Master text styles</a:t>
             </a:r>
           </a:p>
           <a:p>
             <a:pPr lvl="1"/>
             <a:r>
-              <a:rPr lang="en-US" smtClean="0"/>
+              <a:rPr lang="en-US"/>
               <a:t>Second level</a:t>
             </a:r>
           </a:p>
           <a:p>
             <a:pPr lvl="2"/>
             <a:r>
-              <a:rPr lang="en-US" smtClean="0"/>
+              <a:rPr lang="en-US"/>
               <a:t>Third level</a:t>
             </a:r>
           </a:p>
           <a:p>
             <a:pPr lvl="3"/>
             <a:r>
-              <a:rPr lang="en-US" smtClean="0"/>
+              <a:rPr lang="en-US"/>
               <a:t>Fourth level</a:t>
             </a:r>
           </a:p>
           <a:p>
             <a:pPr lvl="4"/>
             <a:r>
-              <a:rPr lang="en-US" smtClean="0"/>
+              <a:rPr lang="en-US"/>
               <a:t>Fifth level</a:t>
             </a:r>
-            <a:endParaRPr lang="en-US"/>
           </a:p>
         </p:txBody>
       </p:sp>
@@ -1963,7 +1951,7 @@
           <a:p>
             <a:fld id="{CE9887B9-FC5E-1A4C-9BA2-7BEB030AC187}" type="datetime1">
               <a:rPr lang="en-US" smtClean="0"/>
-              <a:t>1/7/20</a:t>
+              <a:t>1/18/21</a:t>
             </a:fld>
             <a:endParaRPr lang="en-US"/>
           </a:p>
@@ -2061,10 +2049,9 @@
           </a:lstStyle>
           <a:p>
             <a:r>
-              <a:rPr lang="en-US" smtClean="0"/>
+              <a:rPr lang="en-US"/>
               <a:t>Click to edit Master title style</a:t>
             </a:r>
-            <a:endParaRPr lang="en-US"/>
           </a:p>
         </p:txBody>
       </p:sp>
@@ -2127,7 +2114,7 @@
           <a:p>
             <a:pPr lvl="0"/>
             <a:r>
-              <a:rPr lang="en-US" smtClean="0"/>
+              <a:rPr lang="en-US"/>
               <a:t>Click to edit Master text styles</a:t>
             </a:r>
           </a:p>
@@ -2183,38 +2170,37 @@
           <a:p>
             <a:pPr lvl="0"/>
             <a:r>
-              <a:rPr lang="en-US" smtClean="0"/>
+              <a:rPr lang="en-US"/>
               <a:t>Click to edit Master text styles</a:t>
             </a:r>
           </a:p>
           <a:p>
             <a:pPr lvl="1"/>
             <a:r>
-              <a:rPr lang="en-US" smtClean="0"/>
+              <a:rPr lang="en-US"/>
               <a:t>Second level</a:t>
             </a:r>
           </a:p>
           <a:p>
             <a:pPr lvl="2"/>
             <a:r>
-              <a:rPr lang="en-US" smtClean="0"/>
+              <a:rPr lang="en-US"/>
               <a:t>Third level</a:t>
             </a:r>
           </a:p>
           <a:p>
             <a:pPr lvl="3"/>
             <a:r>
-              <a:rPr lang="en-US" smtClean="0"/>
+              <a:rPr lang="en-US"/>
               <a:t>Fourth level</a:t>
             </a:r>
           </a:p>
           <a:p>
             <a:pPr lvl="4"/>
             <a:r>
-              <a:rPr lang="en-US" smtClean="0"/>
+              <a:rPr lang="en-US"/>
               <a:t>Fifth level</a:t>
             </a:r>
-            <a:endParaRPr lang="en-US"/>
           </a:p>
         </p:txBody>
       </p:sp>
@@ -2277,7 +2263,7 @@
           <a:p>
             <a:pPr lvl="0"/>
             <a:r>
-              <a:rPr lang="en-US" smtClean="0"/>
+              <a:rPr lang="en-US"/>
               <a:t>Click to edit Master text styles</a:t>
             </a:r>
           </a:p>
@@ -2333,38 +2319,37 @@
           <a:p>
             <a:pPr lvl="0"/>
             <a:r>
-              <a:rPr lang="en-US" smtClean="0"/>
+              <a:rPr lang="en-US"/>
               <a:t>Click to edit Master text styles</a:t>
             </a:r>
           </a:p>
           <a:p>
             <a:pPr lvl="1"/>
             <a:r>
-              <a:rPr lang="en-US" smtClean="0"/>
+              <a:rPr lang="en-US"/>
               <a:t>Second level</a:t>
             </a:r>
           </a:p>
           <a:p>
             <a:pPr lvl="2"/>
             <a:r>
-              <a:rPr lang="en-US" smtClean="0"/>
+              <a:rPr lang="en-US"/>
               <a:t>Third level</a:t>
             </a:r>
           </a:p>
           <a:p>
             <a:pPr lvl="3"/>
             <a:r>
-              <a:rPr lang="en-US" smtClean="0"/>
+              <a:rPr lang="en-US"/>
               <a:t>Fourth level</a:t>
             </a:r>
           </a:p>
           <a:p>
             <a:pPr lvl="4"/>
             <a:r>
-              <a:rPr lang="en-US" smtClean="0"/>
+              <a:rPr lang="en-US"/>
               <a:t>Fifth level</a:t>
             </a:r>
-            <a:endParaRPr lang="en-US"/>
           </a:p>
         </p:txBody>
       </p:sp>
@@ -2385,7 +2370,7 @@
           <a:p>
             <a:fld id="{7CD3BC33-3EE3-4343-A693-2889CAF22343}" type="datetime1">
               <a:rPr lang="en-US" smtClean="0"/>
-              <a:t>1/7/20</a:t>
+              <a:t>1/18/21</a:t>
             </a:fld>
             <a:endParaRPr lang="en-US"/>
           </a:p>
@@ -2479,10 +2464,9 @@
           <a:lstStyle/>
           <a:p>
             <a:r>
-              <a:rPr lang="en-US" smtClean="0"/>
+              <a:rPr lang="en-US"/>
               <a:t>Click to edit Master title style</a:t>
             </a:r>
-            <a:endParaRPr lang="en-US"/>
           </a:p>
         </p:txBody>
       </p:sp>
@@ -2503,7 +2487,7 @@
           <a:p>
             <a:fld id="{B622619F-8923-D548-8F3D-8396F4A9DB1C}" type="datetime1">
               <a:rPr lang="en-US" smtClean="0"/>
-              <a:t>1/7/20</a:t>
+              <a:t>1/18/21</a:t>
             </a:fld>
             <a:endParaRPr lang="en-US"/>
           </a:p>
@@ -2598,7 +2582,7 @@
           <a:p>
             <a:fld id="{10E38838-6E6E-AD43-A201-219EB5CB3FC7}" type="datetime1">
               <a:rPr lang="en-US" smtClean="0"/>
-              <a:t>1/7/20</a:t>
+              <a:t>1/18/21</a:t>
             </a:fld>
             <a:endParaRPr lang="en-US"/>
           </a:p>
@@ -2701,10 +2685,9 @@
           </a:lstStyle>
           <a:p>
             <a:r>
-              <a:rPr lang="en-US" smtClean="0"/>
+              <a:rPr lang="en-US"/>
               <a:t>Click to edit Master title style</a:t>
             </a:r>
-            <a:endParaRPr lang="en-US"/>
           </a:p>
         </p:txBody>
       </p:sp>
@@ -2758,38 +2741,37 @@
           <a:p>
             <a:pPr lvl="0"/>
             <a:r>
-              <a:rPr lang="en-US" smtClean="0"/>
+              <a:rPr lang="en-US"/>
               <a:t>Click to edit Master text styles</a:t>
             </a:r>
           </a:p>
           <a:p>
             <a:pPr lvl="1"/>
             <a:r>
-              <a:rPr lang="en-US" smtClean="0"/>
+              <a:rPr lang="en-US"/>
               <a:t>Second level</a:t>
             </a:r>
           </a:p>
           <a:p>
             <a:pPr lvl="2"/>
             <a:r>
-              <a:rPr lang="en-US" smtClean="0"/>
+              <a:rPr lang="en-US"/>
               <a:t>Third level</a:t>
             </a:r>
           </a:p>
           <a:p>
             <a:pPr lvl="3"/>
             <a:r>
-              <a:rPr lang="en-US" smtClean="0"/>
+              <a:rPr lang="en-US"/>
               <a:t>Fourth level</a:t>
             </a:r>
           </a:p>
           <a:p>
             <a:pPr lvl="4"/>
             <a:r>
-              <a:rPr lang="en-US" smtClean="0"/>
+              <a:rPr lang="en-US"/>
               <a:t>Fifth level</a:t>
             </a:r>
-            <a:endParaRPr lang="en-US"/>
           </a:p>
         </p:txBody>
       </p:sp>
@@ -2852,7 +2834,7 @@
           <a:p>
             <a:pPr lvl="0"/>
             <a:r>
-              <a:rPr lang="en-US" smtClean="0"/>
+              <a:rPr lang="en-US"/>
               <a:t>Click to edit Master text styles</a:t>
             </a:r>
           </a:p>
@@ -2875,7 +2857,7 @@
           <a:p>
             <a:fld id="{25C6F7F9-D749-AF43-887F-95832616F114}" type="datetime1">
               <a:rPr lang="en-US" smtClean="0"/>
-              <a:t>1/7/20</a:t>
+              <a:t>1/18/21</a:t>
             </a:fld>
             <a:endParaRPr lang="en-US"/>
           </a:p>
@@ -2978,10 +2960,9 @@
           </a:lstStyle>
           <a:p>
             <a:r>
-              <a:rPr lang="en-US" smtClean="0"/>
+              <a:rPr lang="en-US"/>
               <a:t>Click to edit Master title style</a:t>
             </a:r>
-            <a:endParaRPr lang="en-US"/>
           </a:p>
         </p:txBody>
       </p:sp>
@@ -3043,10 +3024,9 @@
           </a:lstStyle>
           <a:p>
             <a:r>
-              <a:rPr lang="en-US" smtClean="0"/>
+              <a:rPr lang="en-US"/>
               <a:t>Drag picture to placeholder or click icon to add</a:t>
             </a:r>
-            <a:endParaRPr lang="en-US"/>
           </a:p>
         </p:txBody>
       </p:sp>
@@ -3109,7 +3089,7 @@
           <a:p>
             <a:pPr lvl="0"/>
             <a:r>
-              <a:rPr lang="en-US" smtClean="0"/>
+              <a:rPr lang="en-US"/>
               <a:t>Click to edit Master text styles</a:t>
             </a:r>
           </a:p>
@@ -3132,7 +3112,7 @@
           <a:p>
             <a:fld id="{C6226550-C0A7-924B-8406-A9112C93619D}" type="datetime1">
               <a:rPr lang="en-US" smtClean="0"/>
-              <a:t>1/7/20</a:t>
+              <a:t>1/18/21</a:t>
             </a:fld>
             <a:endParaRPr lang="en-US"/>
           </a:p>
@@ -3241,7 +3221,7 @@
           <a:lstStyle/>
           <a:p>
             <a:r>
-              <a:rPr lang="en-US" smtClean="0"/>
+              <a:rPr lang="en-US"/>
               <a:t>Click to edit Master title style</a:t>
             </a:r>
             <a:endParaRPr lang="en-US" dirty="0"/>
@@ -3275,35 +3255,35 @@
           <a:p>
             <a:pPr lvl="0"/>
             <a:r>
-              <a:rPr lang="en-US" smtClean="0"/>
+              <a:rPr lang="en-US"/>
               <a:t>Click to edit Master text styles</a:t>
             </a:r>
           </a:p>
           <a:p>
             <a:pPr lvl="1"/>
             <a:r>
-              <a:rPr lang="en-US" smtClean="0"/>
+              <a:rPr lang="en-US"/>
               <a:t>Second level</a:t>
             </a:r>
           </a:p>
           <a:p>
             <a:pPr lvl="2"/>
             <a:r>
-              <a:rPr lang="en-US" smtClean="0"/>
+              <a:rPr lang="en-US"/>
               <a:t>Third level</a:t>
             </a:r>
           </a:p>
           <a:p>
             <a:pPr lvl="3"/>
             <a:r>
-              <a:rPr lang="en-US" smtClean="0"/>
+              <a:rPr lang="en-US"/>
               <a:t>Fourth level</a:t>
             </a:r>
           </a:p>
           <a:p>
             <a:pPr lvl="4"/>
             <a:r>
-              <a:rPr lang="en-US" smtClean="0"/>
+              <a:rPr lang="en-US"/>
               <a:t>Fifth level</a:t>
             </a:r>
             <a:endParaRPr lang="en-US" dirty="0"/>
@@ -3448,13 +3428,6 @@
     <p:sldLayoutId id="2147483694" r:id="rId10"/>
     <p:sldLayoutId id="2147483695" r:id="rId11"/>
   </p:sldLayoutIdLst>
-  <p:timing>
-    <p:tnLst>
-      <p:par>
-        <p:cTn id="1" dur="indefinite" restart="never" nodeType="tmRoot"/>
-      </p:par>
-    </p:tnLst>
-  </p:timing>
   <p:hf hdr="0" ftr="0" dt="0"/>
   <p:txStyles>
     <p:titleStyle>
@@ -3742,10 +3715,9 @@
           <a:lstStyle/>
           <a:p>
             <a:r>
-              <a:rPr lang="en-US" dirty="0" smtClean="0"/>
+              <a:rPr lang="en-US" dirty="0"/>
               <a:t>Course Information</a:t>
             </a:r>
-            <a:endParaRPr lang="en-US" dirty="0"/>
           </a:p>
         </p:txBody>
       </p:sp>
@@ -3764,7 +3736,10 @@
           <a:bodyPr/>
           <a:lstStyle/>
           <a:p>
-            <a:endParaRPr lang="en-US" dirty="0"/>
+            <a:r>
+              <a:rPr lang="en-US" dirty="0"/>
+              <a:t>Spring 2021</a:t>
+            </a:r>
           </a:p>
         </p:txBody>
       </p:sp>
@@ -3778,13 +3753,6 @@
   <p:clrMapOvr>
     <a:masterClrMapping/>
   </p:clrMapOvr>
-  <p:timing>
-    <p:tnLst>
-      <p:par>
-        <p:cTn id="1" dur="indefinite" restart="never" nodeType="tmRoot"/>
-      </p:par>
-    </p:tnLst>
-  </p:timing>
 </p:sld>
 </file>
 
@@ -3821,10 +3789,9 @@
           <a:lstStyle/>
           <a:p>
             <a:r>
-              <a:rPr lang="en-US" smtClean="0"/>
-              <a:t>Building up structured output prediction</a:t>
-            </a:r>
-            <a:endParaRPr lang="en-US" dirty="0"/>
+              <a:rPr lang="en-US" dirty="0"/>
+              <a:t>Course mechanics</a:t>
+            </a:r>
           </a:p>
         </p:txBody>
       </p:sp>
@@ -3835,7 +3802,7 @@
             <a:spLocks noGrp="1"/>
           </p:cNvSpPr>
           <p:nvPr>
-            <p:ph sz="half" idx="1"/>
+            <p:ph idx="1"/>
           </p:nvPr>
         </p:nvSpPr>
         <p:spPr/>
@@ -3846,107 +3813,53 @@
           <a:lstStyle/>
           <a:p>
             <a:r>
-              <a:rPr lang="en-US" dirty="0" smtClean="0"/>
-              <a:t>Refresher of binary classification and introduction to multiclass classification</a:t>
-            </a:r>
-          </a:p>
-          <a:p>
-            <a:endParaRPr lang="en-US" dirty="0" smtClean="0"/>
-          </a:p>
-          <a:p>
-            <a:r>
-              <a:rPr lang="en-US" dirty="0" smtClean="0"/>
-              <a:t>Simple </a:t>
-            </a:r>
-            <a:r>
-              <a:rPr lang="en-US" dirty="0" smtClean="0"/>
-              <a:t>structures</a:t>
+              <a:rPr lang="en-US" dirty="0"/>
+              <a:t>Course structure</a:t>
             </a:r>
           </a:p>
           <a:p>
             <a:pPr lvl="1"/>
             <a:r>
-              <a:rPr lang="en-US" dirty="0" smtClean="0"/>
-              <a:t>Multiclass classification is really a trivial kind of a structure</a:t>
-            </a:r>
-          </a:p>
-          <a:p>
-            <a:endParaRPr lang="en-US" dirty="0" smtClean="0"/>
-          </a:p>
-          <a:p>
-            <a:r>
-              <a:rPr lang="en-US" dirty="0" smtClean="0"/>
-              <a:t>Sequence </a:t>
-            </a:r>
-            <a:r>
-              <a:rPr lang="en-US" dirty="0" smtClean="0"/>
-              <a:t>labeling problems </a:t>
+              <a:rPr lang="en-US" dirty="0"/>
+              <a:t>Lectures</a:t>
+            </a:r>
+          </a:p>
+          <a:p>
+            <a:pPr lvl="2"/>
+            <a:r>
+              <a:rPr lang="en-US" dirty="0"/>
+              <a:t>Slides available on the website</a:t>
+            </a:r>
+          </a:p>
+          <a:p>
+            <a:pPr lvl="2"/>
+            <a:r>
+              <a:rPr lang="en-US" dirty="0"/>
+              <a:t>Lecture videos will be posted after the class</a:t>
             </a:r>
           </a:p>
           <a:p>
             <a:pPr lvl="1"/>
             <a:r>
-              <a:rPr lang="en-US" dirty="0" smtClean="0"/>
-              <a:t>HMM, inference, Conditional Random Fields, Structured variants of SVM and Perceptron</a:t>
-            </a:r>
-          </a:p>
-          <a:p>
-            <a:endParaRPr lang="en-US" dirty="0" smtClean="0"/>
-          </a:p>
-          <a:p>
-            <a:r>
-              <a:rPr lang="en-US" dirty="0" smtClean="0"/>
-              <a:t>Conditional </a:t>
-            </a:r>
-            <a:r>
-              <a:rPr lang="en-US" dirty="0" smtClean="0"/>
-              <a:t>models: How previous algorithms extend to general structures</a:t>
-            </a:r>
-          </a:p>
-          <a:p>
-            <a:endParaRPr lang="en-US" dirty="0" smtClean="0"/>
-          </a:p>
-          <a:p>
-            <a:endParaRPr lang="en-US" dirty="0" smtClean="0"/>
-          </a:p>
-        </p:txBody>
-      </p:sp>
-      <p:sp>
-        <p:nvSpPr>
-          <p:cNvPr id="5" name="Content Placeholder 4"/>
-          <p:cNvSpPr>
-            <a:spLocks noGrp="1"/>
-          </p:cNvSpPr>
-          <p:nvPr>
-            <p:ph sz="half" idx="2"/>
-          </p:nvPr>
-        </p:nvSpPr>
-        <p:spPr/>
-        <p:txBody>
-          <a:bodyPr>
-            <a:normAutofit fontScale="77500" lnSpcReduction="20000"/>
-          </a:bodyPr>
-          <a:lstStyle/>
-          <a:p>
-            <a:r>
               <a:rPr lang="en-US" dirty="0"/>
-              <a:t>Inference: Predicting structures, complexity of inference and inference algorithms</a:t>
-            </a:r>
-          </a:p>
-          <a:p>
+              <a:t>Readings and paper reviews</a:t>
+            </a:r>
+          </a:p>
+          <a:p>
+            <a:pPr lvl="1"/>
             <a:endParaRPr lang="en-US" dirty="0"/>
           </a:p>
           <a:p>
             <a:r>
               <a:rPr lang="en-US" dirty="0"/>
-              <a:t>Different training regimes</a:t>
+              <a:t>No text book</a:t>
             </a:r>
           </a:p>
           <a:p>
             <a:pPr lvl="1"/>
             <a:r>
               <a:rPr lang="en-US" dirty="0"/>
-              <a:t>Training with/without inference</a:t>
+              <a:t>Some useful background reading on course website</a:t>
             </a:r>
           </a:p>
           <a:p>
@@ -3955,588 +3868,19 @@
           <a:p>
             <a:r>
               <a:rPr lang="en-US" dirty="0"/>
-              <a:t>Deep learning and structures</a:t>
-            </a:r>
-          </a:p>
-          <a:p>
-            <a:pPr lvl="1"/>
+              <a:t>Machine learning is a pre-requisite</a:t>
+            </a:r>
+          </a:p>
+          <a:p>
+            <a:endParaRPr lang="en-US" dirty="0"/>
+          </a:p>
+          <a:p>
             <a:r>
               <a:rPr lang="en-US" dirty="0"/>
-              <a:t>Do we need inference at all?</a:t>
-            </a:r>
-          </a:p>
-          <a:p>
-            <a:endParaRPr lang="en-US" dirty="0"/>
-          </a:p>
-          <a:p>
-            <a:r>
-              <a:rPr lang="en-US" dirty="0"/>
-              <a:t>Learning without full supervision</a:t>
-            </a:r>
-          </a:p>
-          <a:p>
-            <a:pPr lvl="1"/>
-            <a:r>
-              <a:rPr lang="en-US" dirty="0"/>
-              <a:t>Latent variables, semi-supervised learning, </a:t>
-            </a:r>
-            <a:r>
-              <a:rPr lang="en-US" dirty="0" smtClean="0"/>
-              <a:t>weak/incidental/indirect </a:t>
-            </a:r>
-            <a:r>
-              <a:rPr lang="en-US" dirty="0"/>
-              <a:t>supervision</a:t>
-            </a:r>
-          </a:p>
-        </p:txBody>
-      </p:sp>
-      <p:sp>
-        <p:nvSpPr>
-          <p:cNvPr id="4" name="Slide Number Placeholder 3"/>
-          <p:cNvSpPr>
-            <a:spLocks noGrp="1"/>
-          </p:cNvSpPr>
-          <p:nvPr>
-            <p:ph type="sldNum" sz="quarter" idx="12"/>
-          </p:nvPr>
-        </p:nvSpPr>
-        <p:spPr/>
-        <p:txBody>
-          <a:bodyPr/>
-          <a:lstStyle/>
-          <a:p>
-            <a:fld id="{6B45B514-2D7B-5A4A-967A-996587399F6E}" type="slidenum">
-              <a:rPr lang="en-US" smtClean="0"/>
-              <a:pPr/>
-              <a:t>2</a:t>
-            </a:fld>
-            <a:endParaRPr lang="en-US"/>
-          </a:p>
-        </p:txBody>
-      </p:sp>
-    </p:spTree>
-    <p:extLst>
-      <p:ext uri="{BB962C8B-B14F-4D97-AF65-F5344CB8AC3E}">
-        <p14:creationId xmlns:p14="http://schemas.microsoft.com/office/powerpoint/2010/main" val="788284415"/>
-      </p:ext>
-    </p:extLst>
-  </p:cSld>
-  <p:clrMapOvr>
-    <a:masterClrMapping/>
-  </p:clrMapOvr>
-  <p:timing>
-    <p:tnLst>
-      <p:par>
-        <p:cTn id="1" dur="indefinite" restart="never" nodeType="tmRoot"/>
-      </p:par>
-    </p:tnLst>
-  </p:timing>
-</p:sld>
-</file>
-
-<file path=ppt/slides/slide3.xml><?xml version="1.0" encoding="utf-8"?>
-<p:sld xmlns:a="http://schemas.openxmlformats.org/drawingml/2006/main" xmlns:r="http://schemas.openxmlformats.org/officeDocument/2006/relationships" xmlns:p="http://schemas.openxmlformats.org/presentationml/2006/main">
-  <p:cSld>
-    <p:spTree>
-      <p:nvGrpSpPr>
-        <p:cNvPr id="1" name=""/>
-        <p:cNvGrpSpPr/>
-        <p:nvPr/>
-      </p:nvGrpSpPr>
-      <p:grpSpPr>
-        <a:xfrm>
-          <a:off x="0" y="0"/>
-          <a:ext cx="0" cy="0"/>
-          <a:chOff x="0" y="0"/>
-          <a:chExt cx="0" cy="0"/>
-        </a:xfrm>
-      </p:grpSpPr>
-      <p:sp>
-        <p:nvSpPr>
-          <p:cNvPr id="5" name="Title 4"/>
-          <p:cNvSpPr>
-            <a:spLocks noGrp="1"/>
-          </p:cNvSpPr>
-          <p:nvPr>
-            <p:ph type="title"/>
-          </p:nvPr>
-        </p:nvSpPr>
-        <p:spPr/>
-        <p:txBody>
-          <a:bodyPr/>
-          <a:lstStyle/>
-          <a:p>
-            <a:r>
-              <a:rPr lang="en-US" dirty="0" smtClean="0"/>
-              <a:t>Class focus</a:t>
-            </a:r>
-            <a:endParaRPr lang="en-US" dirty="0"/>
-          </a:p>
-        </p:txBody>
-      </p:sp>
-      <p:sp>
-        <p:nvSpPr>
-          <p:cNvPr id="6" name="Content Placeholder 5"/>
-          <p:cNvSpPr>
-            <a:spLocks noGrp="1"/>
-          </p:cNvSpPr>
-          <p:nvPr>
-            <p:ph idx="1"/>
-          </p:nvPr>
-        </p:nvSpPr>
-        <p:spPr/>
-        <p:txBody>
-          <a:bodyPr>
-            <a:normAutofit fontScale="92500"/>
-          </a:bodyPr>
-          <a:lstStyle/>
-          <a:p>
-            <a:r>
-              <a:rPr lang="en-US" dirty="0" smtClean="0"/>
-              <a:t>To see different examples of structures</a:t>
-            </a:r>
-            <a:endParaRPr lang="en-US" dirty="0"/>
-          </a:p>
-          <a:p>
-            <a:pPr lvl="1"/>
-            <a:r>
-              <a:rPr lang="en-US" dirty="0" smtClean="0"/>
-              <a:t>Sequence labeling, </a:t>
-            </a:r>
-            <a:r>
-              <a:rPr lang="en-US" dirty="0" err="1" smtClean="0"/>
-              <a:t>eg</a:t>
-            </a:r>
-            <a:r>
-              <a:rPr lang="en-US" dirty="0" smtClean="0"/>
-              <a:t>. Part-of-speech tagging	</a:t>
-            </a:r>
-          </a:p>
-          <a:p>
-            <a:pPr lvl="1"/>
-            <a:r>
-              <a:rPr lang="en-US" dirty="0" smtClean="0"/>
-              <a:t>Predicting trees, </a:t>
-            </a:r>
-            <a:r>
-              <a:rPr lang="en-US" dirty="0" err="1" smtClean="0"/>
-              <a:t>eg</a:t>
-            </a:r>
-            <a:r>
-              <a:rPr lang="en-US" dirty="0" smtClean="0"/>
-              <a:t> Parsing</a:t>
-            </a:r>
-          </a:p>
-          <a:p>
-            <a:pPr lvl="1"/>
-            <a:r>
-              <a:rPr lang="en-US" dirty="0" smtClean="0"/>
-              <a:t>More complex structures, </a:t>
-            </a:r>
-            <a:r>
-              <a:rPr lang="en-US" dirty="0" err="1" smtClean="0"/>
-              <a:t>eg</a:t>
-            </a:r>
-            <a:r>
-              <a:rPr lang="en-US" dirty="0" smtClean="0"/>
-              <a:t>: relation extraction, object recognition, </a:t>
-            </a:r>
-          </a:p>
-          <a:p>
-            <a:pPr lvl="1"/>
-            <a:r>
-              <a:rPr lang="en-US" dirty="0"/>
-              <a:t>A</a:t>
-            </a:r>
-            <a:r>
-              <a:rPr lang="en-US" dirty="0" smtClean="0"/>
-              <a:t>nd most importantly,</a:t>
-            </a:r>
-          </a:p>
-          <a:p>
-            <a:pPr marL="0" indent="0">
-              <a:buNone/>
-            </a:pPr>
-            <a:r>
-              <a:rPr lang="en-US" i="1" dirty="0" smtClean="0"/>
-              <a:t>					Your favorite domain/problem…</a:t>
-            </a:r>
-          </a:p>
-          <a:p>
-            <a:endParaRPr lang="en-US" dirty="0"/>
-          </a:p>
-          <a:p>
-            <a:r>
-              <a:rPr lang="en-US" dirty="0" smtClean="0"/>
-              <a:t>To understand underlying </a:t>
-            </a:r>
-            <a:r>
-              <a:rPr lang="en-US" i="1" dirty="0" smtClean="0">
-                <a:solidFill>
-                  <a:schemeClr val="accent1"/>
-                </a:solidFill>
-              </a:rPr>
-              <a:t>concepts</a:t>
-            </a:r>
-          </a:p>
-          <a:p>
-            <a:pPr lvl="1"/>
-            <a:r>
-              <a:rPr lang="en-US" dirty="0" smtClean="0"/>
-              <a:t>Defining models, training, inference</a:t>
-            </a:r>
-          </a:p>
-          <a:p>
-            <a:pPr lvl="1"/>
-            <a:r>
-              <a:rPr lang="en-US" dirty="0" smtClean="0"/>
-              <a:t>Using domain </a:t>
-            </a:r>
-            <a:r>
-              <a:rPr lang="en-US" dirty="0" smtClean="0"/>
-              <a:t>knowledge for these steps</a:t>
-            </a:r>
-          </a:p>
-          <a:p>
-            <a:pPr lvl="1"/>
-            <a:r>
-              <a:rPr lang="en-US" dirty="0" smtClean="0"/>
-              <a:t>Overview of recent literature</a:t>
-            </a:r>
-          </a:p>
-          <a:p>
-            <a:endParaRPr lang="en-US" dirty="0"/>
-          </a:p>
-        </p:txBody>
-      </p:sp>
-      <p:sp>
-        <p:nvSpPr>
-          <p:cNvPr id="4" name="Slide Number Placeholder 3"/>
-          <p:cNvSpPr>
-            <a:spLocks noGrp="1"/>
-          </p:cNvSpPr>
-          <p:nvPr>
-            <p:ph type="sldNum" sz="quarter" idx="12"/>
-          </p:nvPr>
-        </p:nvSpPr>
-        <p:spPr/>
-        <p:txBody>
-          <a:bodyPr/>
-          <a:lstStyle/>
-          <a:p>
-            <a:fld id="{C826F14C-17DA-C143-8CA2-5F52D30DDCA1}" type="slidenum">
-              <a:rPr lang="en-US" smtClean="0"/>
-              <a:t>3</a:t>
-            </a:fld>
-            <a:endParaRPr lang="en-US"/>
-          </a:p>
-        </p:txBody>
-      </p:sp>
-    </p:spTree>
-    <p:extLst>
-      <p:ext uri="{BB962C8B-B14F-4D97-AF65-F5344CB8AC3E}">
-        <p14:creationId xmlns:p14="http://schemas.microsoft.com/office/powerpoint/2010/main" val="1571254062"/>
-      </p:ext>
-    </p:extLst>
-  </p:cSld>
-  <p:clrMapOvr>
-    <a:masterClrMapping/>
-  </p:clrMapOvr>
-  <p:timing>
-    <p:tnLst>
-      <p:par>
-        <p:cTn id="1" dur="indefinite" restart="never" nodeType="tmRoot"/>
-      </p:par>
-    </p:tnLst>
-  </p:timing>
-</p:sld>
-</file>
-
-<file path=ppt/slides/slide4.xml><?xml version="1.0" encoding="utf-8"?>
-<p:sld xmlns:a="http://schemas.openxmlformats.org/drawingml/2006/main" xmlns:r="http://schemas.openxmlformats.org/officeDocument/2006/relationships" xmlns:p="http://schemas.openxmlformats.org/presentationml/2006/main">
-  <p:cSld>
-    <p:spTree>
-      <p:nvGrpSpPr>
-        <p:cNvPr id="1" name=""/>
-        <p:cNvGrpSpPr/>
-        <p:nvPr/>
-      </p:nvGrpSpPr>
-      <p:grpSpPr>
-        <a:xfrm>
-          <a:off x="0" y="0"/>
-          <a:ext cx="0" cy="0"/>
-          <a:chOff x="0" y="0"/>
-          <a:chExt cx="0" cy="0"/>
-        </a:xfrm>
-      </p:grpSpPr>
-      <p:sp>
-        <p:nvSpPr>
-          <p:cNvPr id="2" name="Title 1"/>
-          <p:cNvSpPr>
-            <a:spLocks noGrp="1"/>
-          </p:cNvSpPr>
-          <p:nvPr>
-            <p:ph type="title"/>
-          </p:nvPr>
-        </p:nvSpPr>
-        <p:spPr/>
-        <p:txBody>
-          <a:bodyPr/>
-          <a:lstStyle/>
-          <a:p>
-            <a:r>
-              <a:rPr lang="en-US" dirty="0" smtClean="0"/>
-              <a:t>Course objectives</a:t>
-            </a:r>
-            <a:endParaRPr lang="en-US" dirty="0"/>
-          </a:p>
-        </p:txBody>
-      </p:sp>
-      <p:sp>
-        <p:nvSpPr>
-          <p:cNvPr id="3" name="Content Placeholder 2"/>
-          <p:cNvSpPr>
-            <a:spLocks noGrp="1"/>
-          </p:cNvSpPr>
-          <p:nvPr>
-            <p:ph idx="1"/>
-          </p:nvPr>
-        </p:nvSpPr>
-        <p:spPr/>
-        <p:txBody>
-          <a:bodyPr>
-            <a:normAutofit/>
-          </a:bodyPr>
-          <a:lstStyle/>
-          <a:p>
-            <a:pPr marL="457200" indent="-457200">
-              <a:buFont typeface="+mj-lt"/>
-              <a:buAutoNum type="arabicPeriod"/>
-            </a:pPr>
-            <a:endParaRPr lang="en-US" dirty="0" smtClean="0"/>
-          </a:p>
-          <a:p>
-            <a:pPr marL="457200" indent="-457200">
-              <a:buFont typeface="+mj-lt"/>
-              <a:buAutoNum type="arabicPeriod"/>
-            </a:pPr>
-            <a:r>
-              <a:rPr lang="en-US" dirty="0" smtClean="0">
-                <a:solidFill>
-                  <a:srgbClr val="333333"/>
-                </a:solidFill>
-              </a:rPr>
-              <a:t>To be able to define structured models for new applications</a:t>
-            </a:r>
-          </a:p>
-          <a:p>
-            <a:pPr marL="457200" indent="-457200">
-              <a:buFont typeface="+mj-lt"/>
-              <a:buAutoNum type="arabicPeriod"/>
-            </a:pPr>
-            <a:endParaRPr lang="en-US" dirty="0" smtClean="0">
-              <a:solidFill>
-                <a:srgbClr val="333333"/>
-              </a:solidFill>
-            </a:endParaRPr>
-          </a:p>
-          <a:p>
-            <a:pPr marL="457200" indent="-457200">
-              <a:buFont typeface="+mj-lt"/>
-              <a:buAutoNum type="arabicPeriod"/>
-            </a:pPr>
-            <a:r>
-              <a:rPr lang="en-US" dirty="0" smtClean="0">
-                <a:solidFill>
-                  <a:srgbClr val="333333"/>
-                </a:solidFill>
-              </a:rPr>
-              <a:t>To identify or design training and inference algorithms for a new problem</a:t>
-            </a:r>
-          </a:p>
-          <a:p>
-            <a:pPr marL="457200" indent="-457200">
-              <a:buFont typeface="+mj-lt"/>
-              <a:buAutoNum type="arabicPeriod"/>
-            </a:pPr>
-            <a:endParaRPr lang="en-US" dirty="0" smtClean="0">
-              <a:solidFill>
-                <a:srgbClr val="333333"/>
-              </a:solidFill>
-            </a:endParaRPr>
-          </a:p>
-          <a:p>
-            <a:pPr marL="457200" indent="-457200">
-              <a:buFont typeface="+mj-lt"/>
-              <a:buAutoNum type="arabicPeriod"/>
-            </a:pPr>
-            <a:r>
-              <a:rPr lang="en-US" dirty="0" smtClean="0">
-                <a:solidFill>
-                  <a:srgbClr val="333333"/>
-                </a:solidFill>
-              </a:rPr>
-              <a:t>To be able to critically read current literature in structured prediction and its applications</a:t>
-            </a:r>
-          </a:p>
-        </p:txBody>
-      </p:sp>
-      <p:sp>
-        <p:nvSpPr>
-          <p:cNvPr id="4" name="Slide Number Placeholder 3"/>
-          <p:cNvSpPr>
-            <a:spLocks noGrp="1"/>
-          </p:cNvSpPr>
-          <p:nvPr>
-            <p:ph type="sldNum" sz="quarter" idx="12"/>
-          </p:nvPr>
-        </p:nvSpPr>
-        <p:spPr/>
-        <p:txBody>
-          <a:bodyPr/>
-          <a:lstStyle/>
-          <a:p>
-            <a:fld id="{C826F14C-17DA-C143-8CA2-5F52D30DDCA1}" type="slidenum">
-              <a:rPr lang="en-US" smtClean="0"/>
-              <a:t>4</a:t>
-            </a:fld>
-            <a:endParaRPr lang="en-US"/>
-          </a:p>
-        </p:txBody>
-      </p:sp>
-    </p:spTree>
-    <p:extLst>
-      <p:ext uri="{BB962C8B-B14F-4D97-AF65-F5344CB8AC3E}">
-        <p14:creationId xmlns:p14="http://schemas.microsoft.com/office/powerpoint/2010/main" val="2076532431"/>
-      </p:ext>
-    </p:extLst>
-  </p:cSld>
-  <p:clrMapOvr>
-    <a:masterClrMapping/>
-  </p:clrMapOvr>
-  <p:timing>
-    <p:tnLst>
-      <p:par>
-        <p:cTn id="1" dur="indefinite" restart="never" nodeType="tmRoot"/>
-      </p:par>
-    </p:tnLst>
-  </p:timing>
-</p:sld>
-</file>
-
-<file path=ppt/slides/slide5.xml><?xml version="1.0" encoding="utf-8"?>
-<p:sld xmlns:a="http://schemas.openxmlformats.org/drawingml/2006/main" xmlns:r="http://schemas.openxmlformats.org/officeDocument/2006/relationships" xmlns:p="http://schemas.openxmlformats.org/presentationml/2006/main">
-  <p:cSld>
-    <p:spTree>
-      <p:nvGrpSpPr>
-        <p:cNvPr id="1" name=""/>
-        <p:cNvGrpSpPr/>
-        <p:nvPr/>
-      </p:nvGrpSpPr>
-      <p:grpSpPr>
-        <a:xfrm>
-          <a:off x="0" y="0"/>
-          <a:ext cx="0" cy="0"/>
-          <a:chOff x="0" y="0"/>
-          <a:chExt cx="0" cy="0"/>
-        </a:xfrm>
-      </p:grpSpPr>
-      <p:sp>
-        <p:nvSpPr>
-          <p:cNvPr id="2" name="Title 1"/>
-          <p:cNvSpPr>
-            <a:spLocks noGrp="1"/>
-          </p:cNvSpPr>
-          <p:nvPr>
-            <p:ph type="title"/>
-          </p:nvPr>
-        </p:nvSpPr>
-        <p:spPr/>
-        <p:txBody>
-          <a:bodyPr/>
-          <a:lstStyle/>
-          <a:p>
-            <a:r>
-              <a:rPr lang="en-US" dirty="0" smtClean="0"/>
-              <a:t>Course mechanics</a:t>
-            </a:r>
-            <a:endParaRPr lang="en-US" dirty="0"/>
-          </a:p>
-        </p:txBody>
-      </p:sp>
-      <p:sp>
-        <p:nvSpPr>
-          <p:cNvPr id="3" name="Content Placeholder 2"/>
-          <p:cNvSpPr>
-            <a:spLocks noGrp="1"/>
-          </p:cNvSpPr>
-          <p:nvPr>
-            <p:ph idx="1"/>
-          </p:nvPr>
-        </p:nvSpPr>
-        <p:spPr/>
-        <p:txBody>
-          <a:bodyPr>
-            <a:normAutofit fontScale="85000" lnSpcReduction="20000"/>
-          </a:bodyPr>
-          <a:lstStyle/>
-          <a:p>
-            <a:r>
-              <a:rPr lang="en-US" dirty="0" smtClean="0"/>
-              <a:t>Course structure</a:t>
-            </a:r>
-          </a:p>
-          <a:p>
-            <a:pPr lvl="1"/>
-            <a:r>
-              <a:rPr lang="en-US" dirty="0" smtClean="0"/>
-              <a:t>Lectures</a:t>
-            </a:r>
-          </a:p>
-          <a:p>
-            <a:pPr lvl="1"/>
-            <a:r>
-              <a:rPr lang="en-US" dirty="0" smtClean="0"/>
-              <a:t>Readings and paper reviews</a:t>
-            </a:r>
-          </a:p>
-          <a:p>
-            <a:pPr lvl="1"/>
-            <a:endParaRPr lang="en-US" dirty="0" smtClean="0"/>
-          </a:p>
-          <a:p>
-            <a:r>
-              <a:rPr lang="en-US" dirty="0" smtClean="0"/>
-              <a:t>No text book</a:t>
-            </a:r>
-          </a:p>
-          <a:p>
-            <a:pPr lvl="1"/>
-            <a:r>
-              <a:rPr lang="en-US" dirty="0" smtClean="0"/>
-              <a:t>Some useful background reading on course website</a:t>
-            </a:r>
-          </a:p>
-          <a:p>
-            <a:endParaRPr lang="en-US" dirty="0" smtClean="0"/>
-          </a:p>
-          <a:p>
-            <a:r>
-              <a:rPr lang="en-US" dirty="0" smtClean="0"/>
-              <a:t>Machine learning is a pre-requisite</a:t>
-            </a:r>
-          </a:p>
-          <a:p>
-            <a:endParaRPr lang="en-US" dirty="0"/>
-          </a:p>
-          <a:p>
-            <a:r>
-              <a:rPr lang="en-US" dirty="0" smtClean="0"/>
               <a:t>Assignments</a:t>
             </a:r>
             <a:r>
-              <a:rPr lang="en-US" i="1" dirty="0" smtClean="0"/>
+              <a:rPr lang="en-US" i="1" dirty="0"/>
               <a:t> (due dates on schedule page of website)</a:t>
             </a:r>
           </a:p>
@@ -4546,8 +3890,8 @@
               <a:buAutoNum type="arabicPeriod"/>
             </a:pPr>
             <a:r>
-              <a:rPr lang="en-US" dirty="0" smtClean="0"/>
-              <a:t>Three paper reviews (not hand written, please!)</a:t>
+              <a:rPr lang="en-US" dirty="0"/>
+              <a:t>Three paper reviews</a:t>
             </a:r>
           </a:p>
           <a:p>
@@ -4556,14 +3900,9 @@
               <a:buAutoNum type="arabicPeriod"/>
             </a:pPr>
             <a:r>
-              <a:rPr lang="en-US" dirty="0" smtClean="0"/>
-              <a:t>One or two </a:t>
-            </a:r>
-            <a:r>
-              <a:rPr lang="en-US" dirty="0" smtClean="0"/>
-              <a:t>more assignments</a:t>
-            </a:r>
-            <a:endParaRPr lang="en-US" dirty="0" smtClean="0"/>
+              <a:rPr lang="en-US" dirty="0"/>
+              <a:t>One or two more assignments</a:t>
+            </a:r>
           </a:p>
           <a:p>
             <a:pPr marL="873023" lvl="1" indent="-457200">
@@ -4571,7 +3910,7 @@
               <a:buAutoNum type="arabicPeriod"/>
             </a:pPr>
             <a:r>
-              <a:rPr lang="en-US" dirty="0" smtClean="0"/>
+              <a:rPr lang="en-US" dirty="0"/>
               <a:t>One class project in groups of size at most two</a:t>
             </a:r>
           </a:p>
@@ -4581,16 +3920,8 @@
               <a:buAutoNum type="arabicPeriod"/>
             </a:pPr>
             <a:r>
-              <a:rPr lang="en-US" dirty="0" smtClean="0"/>
-              <a:t>No midterm/final. Instead, project proposal, intermediate checkpoints, final report </a:t>
-            </a:r>
-            <a:r>
-              <a:rPr lang="en-US" u="sng" dirty="0" smtClean="0"/>
-              <a:t>and</a:t>
-            </a:r>
-            <a:r>
-              <a:rPr lang="en-US" dirty="0" smtClean="0"/>
-              <a:t> poster session.</a:t>
+              <a:rPr lang="en-US" dirty="0"/>
+              <a:t>No midterm/final. Instead, project proposal, intermediate checkpoints, final report and poster session.</a:t>
             </a:r>
           </a:p>
           <a:p>
@@ -4618,7 +3949,7 @@
           <a:p>
             <a:fld id="{C826F14C-17DA-C143-8CA2-5F52D30DDCA1}" type="slidenum">
               <a:rPr lang="en-US" smtClean="0"/>
-              <a:t>5</a:t>
+              <a:t>2</a:t>
             </a:fld>
             <a:endParaRPr lang="en-US"/>
           </a:p>
@@ -4647,31 +3978,32 @@
           <a:lstStyle/>
           <a:p>
             <a:r>
-              <a:rPr lang="en-US" dirty="0" smtClean="0">
+              <a:rPr lang="en-US" dirty="0">
                 <a:solidFill>
                   <a:schemeClr val="accent2"/>
                 </a:solidFill>
               </a:rPr>
               <a:t>Questions?</a:t>
             </a:r>
-            <a:endParaRPr lang="en-US" dirty="0">
-              <a:solidFill>
-                <a:schemeClr val="accent2"/>
-              </a:solidFill>
-            </a:endParaRPr>
-          </a:p>
-        </p:txBody>
-      </p:sp>
-      <p:sp>
-        <p:nvSpPr>
-          <p:cNvPr id="6" name="Rectangle 5"/>
+          </a:p>
+        </p:txBody>
+      </p:sp>
+      <p:sp>
+        <p:nvSpPr>
+          <p:cNvPr id="7" name="Rectangle 6">
+            <a:extLst>
+              <a:ext uri="{FF2B5EF4-FFF2-40B4-BE49-F238E27FC236}">
+                <a16:creationId xmlns:a16="http://schemas.microsoft.com/office/drawing/2014/main" id="{C3BEBA7B-6790-374F-85B1-00C7AB7A41F3}"/>
+              </a:ext>
+            </a:extLst>
+          </p:cNvPr>
           <p:cNvSpPr/>
           <p:nvPr/>
         </p:nvSpPr>
         <p:spPr>
           <a:xfrm>
-            <a:off x="450936" y="937567"/>
-            <a:ext cx="8235864" cy="369332"/>
+            <a:off x="450935" y="937567"/>
+            <a:ext cx="8553727" cy="369332"/>
           </a:xfrm>
           <a:prstGeom prst="rect">
             <a:avLst/>
@@ -4688,16 +4020,11 @@
               <a:t>Course website: </a:t>
             </a:r>
             <a:r>
-              <a:rPr lang="en-US" sz="1800" dirty="0" smtClean="0">
-                <a:hlinkClick r:id="rId2"/>
+              <a:rPr lang="en-US" sz="1800" dirty="0">
+                <a:latin typeface="Courier" pitchFamily="2" charset="0"/>
               </a:rPr>
-              <a:t>https://svivek.com/teaching/structured-prediction</a:t>
-            </a:r>
-            <a:r>
-              <a:rPr lang="en-US" sz="1800" dirty="0" smtClean="0"/>
-              <a:t> </a:t>
-            </a:r>
-            <a:endParaRPr lang="en-US" sz="1800" dirty="0"/>
+              <a:t>https://svivek.com/teaching/structured-prediction </a:t>
+            </a:r>
           </a:p>
         </p:txBody>
       </p:sp>
@@ -4792,7 +4119,7 @@
 </p:sld>
 </file>
 
-<file path=ppt/slides/slide6.xml><?xml version="1.0" encoding="utf-8"?>
+<file path=ppt/slides/slide3.xml><?xml version="1.0" encoding="utf-8"?>
 <p:sld xmlns:a="http://schemas.openxmlformats.org/drawingml/2006/main" xmlns:r="http://schemas.openxmlformats.org/officeDocument/2006/relationships" xmlns:p="http://schemas.openxmlformats.org/presentationml/2006/main">
   <p:cSld>
     <p:spTree>
@@ -4827,10 +4154,9 @@
           <a:lstStyle/>
           <a:p>
             <a:r>
-              <a:rPr lang="en-US" dirty="0" smtClean="0"/>
+              <a:rPr lang="en-US" dirty="0"/>
               <a:t>What assistance is available for you?</a:t>
             </a:r>
-            <a:endParaRPr lang="en-US" dirty="0"/>
           </a:p>
         </p:txBody>
       </p:sp>
@@ -4860,7 +4186,7 @@
               <a:buNone/>
             </a:pPr>
             <a:r>
-              <a:rPr lang="en-US" dirty="0" smtClean="0"/>
+              <a:rPr lang="en-US" dirty="0"/>
               <a:t>Canvas for:</a:t>
             </a:r>
           </a:p>
@@ -4870,7 +4196,7 @@
               <a:buAutoNum type="arabicPeriod"/>
             </a:pPr>
             <a:r>
-              <a:rPr lang="en-US" dirty="0" smtClean="0"/>
+              <a:rPr lang="en-US" dirty="0"/>
               <a:t>Announcements and communication</a:t>
             </a:r>
           </a:p>
@@ -4880,7 +4206,7 @@
               <a:buAutoNum type="arabicPeriod"/>
             </a:pPr>
             <a:r>
-              <a:rPr lang="en-US" dirty="0" smtClean="0"/>
+              <a:rPr lang="en-US" dirty="0"/>
               <a:t>Discussion board</a:t>
             </a:r>
           </a:p>
@@ -4890,16 +4216,16 @@
               <a:buAutoNum type="arabicPeriod"/>
             </a:pPr>
             <a:r>
-              <a:rPr lang="en-US" dirty="0" smtClean="0"/>
+              <a:rPr lang="en-US" dirty="0"/>
               <a:t>All submissions</a:t>
             </a:r>
           </a:p>
           <a:p>
-            <a:endParaRPr lang="en-US" dirty="0" smtClean="0"/>
+            <a:endParaRPr lang="en-US" dirty="0"/>
           </a:p>
           <a:p>
             <a:pPr lvl="1"/>
-            <a:endParaRPr lang="en-US" dirty="0" smtClean="0"/>
+            <a:endParaRPr lang="en-US" dirty="0"/>
           </a:p>
         </p:txBody>
       </p:sp>
@@ -4929,7 +4255,7 @@
               <a:buNone/>
             </a:pPr>
             <a:r>
-              <a:rPr lang="en-US" dirty="0" smtClean="0"/>
+              <a:rPr lang="en-US" dirty="0"/>
               <a:t>Course website for:</a:t>
             </a:r>
           </a:p>
@@ -4939,7 +4265,7 @@
               <a:buAutoNum type="arabicPeriod"/>
             </a:pPr>
             <a:r>
-              <a:rPr lang="en-US" dirty="0" smtClean="0"/>
+              <a:rPr lang="en-US" dirty="0"/>
               <a:t>Lecture slides</a:t>
             </a:r>
           </a:p>
@@ -4949,10 +4275,9 @@
               <a:buAutoNum type="arabicPeriod"/>
             </a:pPr>
             <a:r>
-              <a:rPr lang="en-US" dirty="0" smtClean="0"/>
+              <a:rPr lang="en-US" dirty="0"/>
               <a:t>Notes and readings</a:t>
             </a:r>
-            <a:endParaRPr lang="en-US" dirty="0"/>
           </a:p>
         </p:txBody>
       </p:sp>
@@ -4973,7 +4298,7 @@
           <a:p>
             <a:fld id="{C826F14C-17DA-C143-8CA2-5F52D30DDCA1}" type="slidenum">
               <a:rPr lang="en-US" smtClean="0"/>
-              <a:t>6</a:t>
+              <a:t>3</a:t>
             </a:fld>
             <a:endParaRPr lang="en-US"/>
           </a:p>
@@ -5143,11 +4468,11 @@
               <a:buNone/>
             </a:pPr>
             <a:r>
-              <a:rPr lang="en-US" sz="2200" dirty="0" smtClean="0"/>
+              <a:rPr lang="en-US" sz="2200" dirty="0"/>
               <a:t>Email: </a:t>
             </a:r>
             <a:r>
-              <a:rPr lang="en-US" sz="2000" dirty="0" err="1" smtClean="0">
+              <a:rPr lang="en-US" sz="2000" dirty="0" err="1">
                 <a:latin typeface="Consolas" charset="0"/>
                 <a:ea typeface="Consolas" charset="0"/>
                 <a:cs typeface="Consolas" charset="0"/>
@@ -5155,7 +4480,7 @@
               <a:t>svivek</a:t>
             </a:r>
             <a:r>
-              <a:rPr lang="en-US" sz="2000" dirty="0" smtClean="0">
+              <a:rPr lang="en-US" sz="2000" dirty="0">
                 <a:latin typeface="Consolas" charset="0"/>
                 <a:ea typeface="Consolas" charset="0"/>
                 <a:cs typeface="Consolas" charset="0"/>
@@ -5163,14 +4488,14 @@
               <a:t> at </a:t>
             </a:r>
             <a:r>
-              <a:rPr lang="en-US" sz="2000" dirty="0" err="1" smtClean="0">
+              <a:rPr lang="en-US" sz="2000" dirty="0" err="1">
                 <a:latin typeface="Consolas" charset="0"/>
                 <a:ea typeface="Consolas" charset="0"/>
                 <a:cs typeface="Consolas" charset="0"/>
               </a:rPr>
               <a:t>cs.utah.edu</a:t>
             </a:r>
-            <a:endParaRPr lang="en-US" sz="2000" dirty="0" smtClean="0">
+            <a:endParaRPr lang="en-US" sz="2000" dirty="0">
               <a:latin typeface="Consolas" charset="0"/>
               <a:ea typeface="Consolas" charset="0"/>
               <a:cs typeface="Consolas" charset="0"/>
@@ -5182,7 +4507,7 @@
               <a:buNone/>
             </a:pPr>
             <a:r>
-              <a:rPr lang="en-US" sz="2200" dirty="0" smtClean="0"/>
+              <a:rPr lang="en-US" sz="2200" dirty="0"/>
               <a:t> Office hours:</a:t>
             </a:r>
           </a:p>
@@ -5192,35 +4517,8 @@
             </a:pPr>
             <a:r>
               <a:rPr lang="en-US" sz="2200" dirty="0"/>
-              <a:t>	</a:t>
-            </a:r>
-            <a:r>
-              <a:rPr lang="en-US" sz="2200" dirty="0" smtClean="0"/>
-              <a:t>Thu 11:00 AM</a:t>
-            </a:r>
-            <a:r>
-              <a:rPr lang="en-US" sz="2200" dirty="0"/>
-              <a:t>, 3126 MEB, </a:t>
-            </a:r>
-            <a:endParaRPr lang="en-US" sz="2200" dirty="0" smtClean="0"/>
-          </a:p>
-          <a:p>
-            <a:pPr marL="0" indent="0">
-              <a:buNone/>
-            </a:pPr>
-            <a:r>
-              <a:rPr lang="en-US" sz="2200" dirty="0"/>
-              <a:t>	</a:t>
-            </a:r>
-            <a:r>
-              <a:rPr lang="en-US" sz="2200" dirty="0" smtClean="0"/>
-              <a:t>or </a:t>
-            </a:r>
-            <a:r>
-              <a:rPr lang="en-US" sz="2200" dirty="0"/>
-              <a:t>by appointment</a:t>
-            </a:r>
-            <a:endParaRPr lang="en-US" sz="2200" dirty="0" smtClean="0"/>
+              <a:t>	Thu 11:00 AM</a:t>
+            </a:r>
           </a:p>
         </p:txBody>
       </p:sp>
@@ -5243,7 +4541,7 @@
         </p:spPr>
         <p:txBody>
           <a:bodyPr vert="horz" lIns="83165" tIns="41582" rIns="83165" bIns="41582" rtlCol="0">
-            <a:normAutofit fontScale="92500"/>
+            <a:normAutofit/>
           </a:bodyPr>
           <a:lstStyle>
             <a:lvl1pPr marL="311868" indent="-311868" algn="l" defTabSz="415823" rtl="0" eaLnBrk="1" latinLnBrk="0" hangingPunct="1">
@@ -5388,8 +4686,8 @@
               <a:buNone/>
             </a:pPr>
             <a:r>
-              <a:rPr lang="en-US" sz="2400" b="1" dirty="0" smtClean="0"/>
-              <a:t>TA: Yuan Zhuang</a:t>
+              <a:rPr lang="en-US" sz="2000" b="1" dirty="0"/>
+              <a:t>TA: Vivek Gupta</a:t>
             </a:r>
           </a:p>
           <a:p>
@@ -5398,34 +4696,12 @@
               <a:buNone/>
             </a:pPr>
             <a:r>
-              <a:rPr lang="en-US" sz="2400" dirty="0" smtClean="0"/>
-              <a:t>Email: </a:t>
-            </a:r>
-            <a:r>
-              <a:rPr lang="en-US" sz="2200" dirty="0" err="1" smtClean="0">
-                <a:latin typeface="Consolas" charset="0"/>
-                <a:ea typeface="Consolas" charset="0"/>
+              <a:rPr lang="en-US" sz="2000" dirty="0">
                 <a:cs typeface="Consolas" charset="0"/>
               </a:rPr>
-              <a:t>yuan.zhuang</a:t>
-            </a:r>
-            <a:r>
-              <a:rPr lang="en-US" sz="2200" dirty="0" smtClean="0">
-                <a:latin typeface="Consolas" charset="0"/>
-                <a:ea typeface="Consolas" charset="0"/>
-                <a:cs typeface="Consolas" charset="0"/>
-              </a:rPr>
-              <a:t> at </a:t>
-            </a:r>
-            <a:r>
-              <a:rPr lang="en-US" sz="2200" dirty="0" err="1" smtClean="0">
-                <a:latin typeface="Consolas" charset="0"/>
-                <a:ea typeface="Consolas" charset="0"/>
-                <a:cs typeface="Consolas" charset="0"/>
-              </a:rPr>
-              <a:t>utah.edu</a:t>
-            </a:r>
-            <a:endParaRPr lang="en-US" sz="2200" dirty="0" smtClean="0">
+              <a:t>(Mostly behind the scenes)</a:t>
+            </a:r>
+            <a:endParaRPr lang="en-US" sz="2000" dirty="0">
               <a:latin typeface="Consolas" charset="0"/>
               <a:ea typeface="Consolas" charset="0"/>
               <a:cs typeface="Consolas" charset="0"/>
@@ -5456,18 +4732,13 @@
           <a:lstStyle/>
           <a:p>
             <a:r>
-              <a:rPr lang="en-US" sz="2500" b="1" dirty="0" smtClean="0">
+              <a:rPr lang="en-US" sz="2500" b="1" dirty="0">
                 <a:solidFill>
                   <a:schemeClr val="accent1"/>
                 </a:solidFill>
               </a:rPr>
               <a:t>Staff</a:t>
             </a:r>
-            <a:endParaRPr lang="en-US" sz="2500" b="1" dirty="0">
-              <a:solidFill>
-                <a:schemeClr val="accent1"/>
-              </a:solidFill>
-            </a:endParaRPr>
           </a:p>
         </p:txBody>
       </p:sp>
@@ -5511,8 +4782,8 @@
         </p:nvSpPr>
         <p:spPr>
           <a:xfrm>
-            <a:off x="2129543" y="5979697"/>
-            <a:ext cx="5413854" cy="369332"/>
+            <a:off x="2359670" y="5700184"/>
+            <a:ext cx="4272260" cy="400110"/>
           </a:xfrm>
           <a:prstGeom prst="rect">
             <a:avLst/>
@@ -5526,26 +4797,13 @@
           <a:lstStyle/>
           <a:p>
             <a:r>
-              <a:rPr lang="en-US" sz="1800" b="1" dirty="0" smtClean="0">
+              <a:rPr lang="en-US" sz="2000" b="1" dirty="0">
                 <a:solidFill>
                   <a:schemeClr val="accent1"/>
                 </a:solidFill>
               </a:rPr>
-              <a:t>Please prefix subjects of </a:t>
-            </a:r>
-            <a:r>
-              <a:rPr lang="en-US" sz="1800" b="1" smtClean="0">
-                <a:solidFill>
-                  <a:schemeClr val="accent1"/>
-                </a:solidFill>
-              </a:rPr>
-              <a:t>all emails with course number</a:t>
-            </a:r>
-            <a:endParaRPr lang="en-US" sz="1800" b="1">
-              <a:solidFill>
-                <a:schemeClr val="accent1"/>
-              </a:solidFill>
-            </a:endParaRPr>
+              <a:t>Please use Canvas email to contact me</a:t>
+            </a:r>
           </a:p>
         </p:txBody>
       </p:sp>
@@ -5557,8 +4815,8 @@
         </p:nvSpPr>
         <p:spPr>
           <a:xfrm>
-            <a:off x="450936" y="937567"/>
-            <a:ext cx="8235864" cy="369332"/>
+            <a:off x="450935" y="937567"/>
+            <a:ext cx="8553727" cy="369332"/>
           </a:xfrm>
           <a:prstGeom prst="rect">
             <a:avLst/>
@@ -5575,16 +4833,11 @@
               <a:t>Course website: </a:t>
             </a:r>
             <a:r>
-              <a:rPr lang="en-US" sz="1800" dirty="0" smtClean="0">
-                <a:hlinkClick r:id="rId2"/>
+              <a:rPr lang="en-US" sz="1800" dirty="0">
+                <a:latin typeface="Courier" pitchFamily="2" charset="0"/>
               </a:rPr>
-              <a:t>https://svivek.com/teaching/structured-prediction</a:t>
-            </a:r>
-            <a:r>
-              <a:rPr lang="en-US" sz="1800" dirty="0" smtClean="0"/>
-              <a:t> </a:t>
-            </a:r>
-            <a:endParaRPr lang="en-US" sz="1800" dirty="0"/>
+              <a:t>https://svivek.com/teaching/structured-prediction </a:t>
+            </a:r>
           </a:p>
         </p:txBody>
       </p:sp>
@@ -6028,6 +5281,689 @@
 </p:sld>
 </file>
 
+<file path=ppt/slides/slide4.xml><?xml version="1.0" encoding="utf-8"?>
+<p:sld xmlns:a="http://schemas.openxmlformats.org/drawingml/2006/main" xmlns:r="http://schemas.openxmlformats.org/officeDocument/2006/relationships" xmlns:p="http://schemas.openxmlformats.org/presentationml/2006/main">
+  <p:cSld>
+    <p:spTree>
+      <p:nvGrpSpPr>
+        <p:cNvPr id="1" name=""/>
+        <p:cNvGrpSpPr/>
+        <p:nvPr/>
+      </p:nvGrpSpPr>
+      <p:grpSpPr>
+        <a:xfrm>
+          <a:off x="0" y="0"/>
+          <a:ext cx="0" cy="0"/>
+          <a:chOff x="0" y="0"/>
+          <a:chExt cx="0" cy="0"/>
+        </a:xfrm>
+      </p:grpSpPr>
+      <p:sp>
+        <p:nvSpPr>
+          <p:cNvPr id="2" name="Title 1"/>
+          <p:cNvSpPr>
+            <a:spLocks noGrp="1"/>
+          </p:cNvSpPr>
+          <p:nvPr>
+            <p:ph type="title"/>
+          </p:nvPr>
+        </p:nvSpPr>
+        <p:spPr/>
+        <p:txBody>
+          <a:bodyPr>
+            <a:normAutofit/>
+          </a:bodyPr>
+          <a:lstStyle/>
+          <a:p>
+            <a:r>
+              <a:rPr lang="en-US" dirty="0"/>
+              <a:t>Policies </a:t>
+            </a:r>
+            <a:r>
+              <a:rPr lang="en-US" sz="1800" dirty="0"/>
+              <a:t>(see website for details)</a:t>
+            </a:r>
+            <a:endParaRPr lang="en-US" dirty="0"/>
+          </a:p>
+        </p:txBody>
+      </p:sp>
+      <p:sp>
+        <p:nvSpPr>
+          <p:cNvPr id="3" name="Content Placeholder 2"/>
+          <p:cNvSpPr>
+            <a:spLocks noGrp="1"/>
+          </p:cNvSpPr>
+          <p:nvPr>
+            <p:ph idx="1"/>
+          </p:nvPr>
+        </p:nvSpPr>
+        <p:spPr/>
+        <p:txBody>
+          <a:bodyPr>
+            <a:normAutofit/>
+          </a:bodyPr>
+          <a:lstStyle/>
+          <a:p>
+            <a:r>
+              <a:rPr lang="en-US" dirty="0">
+                <a:solidFill>
+                  <a:schemeClr val="accent1"/>
+                </a:solidFill>
+              </a:rPr>
+              <a:t>Collaboration vs. Cheating</a:t>
+            </a:r>
+          </a:p>
+          <a:p>
+            <a:pPr lvl="1"/>
+            <a:r>
+              <a:rPr lang="en-US" dirty="0"/>
+              <a:t>Collaboration is strongly encouraged, cheating will not be tolerated</a:t>
+            </a:r>
+          </a:p>
+          <a:p>
+            <a:pPr lvl="1"/>
+            <a:r>
+              <a:rPr lang="en-US" dirty="0"/>
+              <a:t>School of Computing policy on academic misconduct</a:t>
+            </a:r>
+          </a:p>
+          <a:p>
+            <a:pPr lvl="1"/>
+            <a:r>
+              <a:rPr lang="en-US" dirty="0"/>
+              <a:t>Acknowledge sources and discussions in all deliverables</a:t>
+            </a:r>
+          </a:p>
+          <a:p>
+            <a:endParaRPr lang="en-US" dirty="0"/>
+          </a:p>
+          <a:p>
+            <a:r>
+              <a:rPr lang="en-US" dirty="0">
+                <a:solidFill>
+                  <a:schemeClr val="accent1"/>
+                </a:solidFill>
+              </a:rPr>
+              <a:t>Late policy </a:t>
+            </a:r>
+          </a:p>
+          <a:p>
+            <a:pPr lvl="1"/>
+            <a:r>
+              <a:rPr lang="en-US" dirty="0"/>
+              <a:t>10 % penalty if submitted one day late, no further extensions</a:t>
+            </a:r>
+          </a:p>
+        </p:txBody>
+      </p:sp>
+      <p:sp>
+        <p:nvSpPr>
+          <p:cNvPr id="4" name="Slide Number Placeholder 3"/>
+          <p:cNvSpPr>
+            <a:spLocks noGrp="1"/>
+          </p:cNvSpPr>
+          <p:nvPr>
+            <p:ph type="sldNum" sz="quarter" idx="12"/>
+          </p:nvPr>
+        </p:nvSpPr>
+        <p:spPr/>
+        <p:txBody>
+          <a:bodyPr/>
+          <a:lstStyle/>
+          <a:p>
+            <a:fld id="{C826F14C-17DA-C143-8CA2-5F52D30DDCA1}" type="slidenum">
+              <a:rPr lang="en-US" smtClean="0"/>
+              <a:t>4</a:t>
+            </a:fld>
+            <a:endParaRPr lang="en-US"/>
+          </a:p>
+        </p:txBody>
+      </p:sp>
+      <p:sp>
+        <p:nvSpPr>
+          <p:cNvPr id="6" name="Rectangle 5">
+            <a:extLst>
+              <a:ext uri="{FF2B5EF4-FFF2-40B4-BE49-F238E27FC236}">
+                <a16:creationId xmlns:a16="http://schemas.microsoft.com/office/drawing/2014/main" id="{F10DD850-5B58-544D-B9B0-D3F2E1A66BE7}"/>
+              </a:ext>
+            </a:extLst>
+          </p:cNvPr>
+          <p:cNvSpPr/>
+          <p:nvPr/>
+        </p:nvSpPr>
+        <p:spPr>
+          <a:xfrm>
+            <a:off x="1051560" y="6538915"/>
+            <a:ext cx="7040880" cy="276999"/>
+          </a:xfrm>
+          <a:prstGeom prst="rect">
+            <a:avLst/>
+          </a:prstGeom>
+        </p:spPr>
+        <p:txBody>
+          <a:bodyPr wrap="square">
+            <a:spAutoFit/>
+          </a:bodyPr>
+          <a:lstStyle/>
+          <a:p>
+            <a:r>
+              <a:rPr lang="en-US" sz="1200" dirty="0">
+                <a:solidFill>
+                  <a:schemeClr val="bg1">
+                    <a:lumMod val="50000"/>
+                  </a:schemeClr>
+                </a:solidFill>
+                <a:latin typeface="Courier" pitchFamily="2" charset="0"/>
+              </a:rPr>
+              <a:t>https://</a:t>
+            </a:r>
+            <a:r>
+              <a:rPr lang="en-US" sz="1200" dirty="0" err="1">
+                <a:solidFill>
+                  <a:schemeClr val="bg1">
+                    <a:lumMod val="50000"/>
+                  </a:schemeClr>
+                </a:solidFill>
+                <a:latin typeface="Courier" pitchFamily="2" charset="0"/>
+              </a:rPr>
+              <a:t>svivek.com</a:t>
+            </a:r>
+            <a:r>
+              <a:rPr lang="en-US" sz="1200" dirty="0">
+                <a:solidFill>
+                  <a:schemeClr val="bg1">
+                    <a:lumMod val="50000"/>
+                  </a:schemeClr>
+                </a:solidFill>
+                <a:latin typeface="Courier" pitchFamily="2" charset="0"/>
+              </a:rPr>
+              <a:t>/teaching/structured-prediction/spring2021/</a:t>
+            </a:r>
+            <a:r>
+              <a:rPr lang="en-US" sz="1200" dirty="0" err="1">
+                <a:solidFill>
+                  <a:schemeClr val="accent1"/>
+                </a:solidFill>
+                <a:latin typeface="Courier" pitchFamily="2" charset="0"/>
+              </a:rPr>
+              <a:t>info.html</a:t>
+            </a:r>
+            <a:endParaRPr lang="en-US" sz="1200" dirty="0">
+              <a:solidFill>
+                <a:schemeClr val="accent1"/>
+              </a:solidFill>
+              <a:latin typeface="Courier" pitchFamily="2" charset="0"/>
+            </a:endParaRPr>
+          </a:p>
+        </p:txBody>
+      </p:sp>
+    </p:spTree>
+    <p:extLst>
+      <p:ext uri="{BB962C8B-B14F-4D97-AF65-F5344CB8AC3E}">
+        <p14:creationId xmlns:p14="http://schemas.microsoft.com/office/powerpoint/2010/main" val="3980834391"/>
+      </p:ext>
+    </p:extLst>
+  </p:cSld>
+  <p:clrMapOvr>
+    <a:masterClrMapping/>
+  </p:clrMapOvr>
+</p:sld>
+</file>
+
+<file path=ppt/slides/slide5.xml><?xml version="1.0" encoding="utf-8"?>
+<p:sld xmlns:a="http://schemas.openxmlformats.org/drawingml/2006/main" xmlns:r="http://schemas.openxmlformats.org/officeDocument/2006/relationships" xmlns:p="http://schemas.openxmlformats.org/presentationml/2006/main">
+  <p:cSld>
+    <p:spTree>
+      <p:nvGrpSpPr>
+        <p:cNvPr id="1" name=""/>
+        <p:cNvGrpSpPr/>
+        <p:nvPr/>
+      </p:nvGrpSpPr>
+      <p:grpSpPr>
+        <a:xfrm>
+          <a:off x="0" y="0"/>
+          <a:ext cx="0" cy="0"/>
+          <a:chOff x="0" y="0"/>
+          <a:chExt cx="0" cy="0"/>
+        </a:xfrm>
+      </p:grpSpPr>
+      <p:sp>
+        <p:nvSpPr>
+          <p:cNvPr id="2" name="Title 1"/>
+          <p:cNvSpPr>
+            <a:spLocks noGrp="1"/>
+          </p:cNvSpPr>
+          <p:nvPr>
+            <p:ph type="title"/>
+          </p:nvPr>
+        </p:nvSpPr>
+        <p:spPr/>
+        <p:txBody>
+          <a:bodyPr/>
+          <a:lstStyle/>
+          <a:p>
+            <a:r>
+              <a:rPr lang="en-US" dirty="0"/>
+              <a:t>Class policies</a:t>
+            </a:r>
+          </a:p>
+        </p:txBody>
+      </p:sp>
+      <p:sp>
+        <p:nvSpPr>
+          <p:cNvPr id="3" name="Content Placeholder 2"/>
+          <p:cNvSpPr>
+            <a:spLocks noGrp="1"/>
+          </p:cNvSpPr>
+          <p:nvPr>
+            <p:ph idx="1"/>
+          </p:nvPr>
+        </p:nvSpPr>
+        <p:spPr/>
+        <p:txBody>
+          <a:bodyPr>
+            <a:normAutofit/>
+          </a:bodyPr>
+          <a:lstStyle/>
+          <a:p>
+            <a:r>
+              <a:rPr lang="en-US" sz="2200" dirty="0">
+                <a:solidFill>
+                  <a:srgbClr val="3366CC"/>
+                </a:solidFill>
+              </a:rPr>
+              <a:t>Accessibility and accommodation</a:t>
+            </a:r>
+          </a:p>
+          <a:p>
+            <a:pPr lvl="1"/>
+            <a:r>
+              <a:rPr lang="en-US" sz="2200" dirty="0"/>
+              <a:t>If you need any assistance, please contact me as soon as possible</a:t>
+            </a:r>
+          </a:p>
+          <a:p>
+            <a:pPr lvl="2"/>
+            <a:r>
+              <a:rPr lang="en-US" sz="2200" dirty="0"/>
+              <a:t>Will process via the university’s Center for Disability and Access</a:t>
+            </a:r>
+          </a:p>
+          <a:p>
+            <a:pPr lvl="2"/>
+            <a:r>
+              <a:rPr lang="en-US" sz="2200" dirty="0">
+                <a:hlinkClick r:id="rId2"/>
+              </a:rPr>
+              <a:t>https://disability.utah.edu</a:t>
+            </a:r>
+            <a:r>
+              <a:rPr lang="en-US" sz="2200" dirty="0"/>
+              <a:t> </a:t>
+            </a:r>
+          </a:p>
+          <a:p>
+            <a:endParaRPr lang="en-US" sz="2200" dirty="0">
+              <a:solidFill>
+                <a:schemeClr val="accent1"/>
+              </a:solidFill>
+            </a:endParaRPr>
+          </a:p>
+          <a:p>
+            <a:r>
+              <a:rPr lang="en-US" sz="2200" dirty="0">
+                <a:solidFill>
+                  <a:schemeClr val="accent1"/>
+                </a:solidFill>
+              </a:rPr>
+              <a:t>Additional policies and information on class website</a:t>
+            </a:r>
+          </a:p>
+          <a:p>
+            <a:pPr lvl="1"/>
+            <a:r>
+              <a:rPr lang="en-US" sz="2200" dirty="0"/>
+              <a:t>Safety: </a:t>
+            </a:r>
+            <a:r>
+              <a:rPr lang="en-US" sz="2200" dirty="0">
+                <a:hlinkClick r:id="rId3"/>
+              </a:rPr>
+              <a:t>https://safeu.utah.edu</a:t>
+            </a:r>
+            <a:endParaRPr lang="en-US" sz="2200" dirty="0"/>
+          </a:p>
+          <a:p>
+            <a:pPr lvl="1"/>
+            <a:r>
+              <a:rPr lang="en-US" sz="2200" dirty="0"/>
+              <a:t>No harassment/discrimination on any basis</a:t>
+            </a:r>
+          </a:p>
+          <a:p>
+            <a:pPr lvl="1"/>
+            <a:r>
+              <a:rPr lang="en-US" sz="2200" dirty="0"/>
+              <a:t>Wellness and health consultation: </a:t>
+            </a:r>
+            <a:r>
+              <a:rPr lang="en-US" sz="2200" dirty="0">
+                <a:hlinkClick r:id="rId4"/>
+              </a:rPr>
+              <a:t>https://wellness.utah.edu</a:t>
+            </a:r>
+            <a:r>
+              <a:rPr lang="en-US" sz="2200" dirty="0"/>
+              <a:t> </a:t>
+            </a:r>
+          </a:p>
+          <a:p>
+            <a:endParaRPr lang="en-US" sz="2200" dirty="0"/>
+          </a:p>
+          <a:p>
+            <a:endParaRPr lang="en-US" sz="2200" dirty="0"/>
+          </a:p>
+        </p:txBody>
+      </p:sp>
+      <p:sp>
+        <p:nvSpPr>
+          <p:cNvPr id="5" name="Slide Number Placeholder 4"/>
+          <p:cNvSpPr>
+            <a:spLocks noGrp="1"/>
+          </p:cNvSpPr>
+          <p:nvPr>
+            <p:ph type="sldNum" sz="quarter" idx="12"/>
+          </p:nvPr>
+        </p:nvSpPr>
+        <p:spPr/>
+        <p:txBody>
+          <a:bodyPr/>
+          <a:lstStyle/>
+          <a:p>
+            <a:fld id="{F99E9C87-653D-1145-AAD0-A62F3DAEFFA5}" type="slidenum">
+              <a:rPr lang="en-US" smtClean="0"/>
+              <a:t>5</a:t>
+            </a:fld>
+            <a:endParaRPr lang="en-US"/>
+          </a:p>
+        </p:txBody>
+      </p:sp>
+      <p:sp>
+        <p:nvSpPr>
+          <p:cNvPr id="4" name="TextBox 3"/>
+          <p:cNvSpPr txBox="1"/>
+          <p:nvPr/>
+        </p:nvSpPr>
+        <p:spPr>
+          <a:xfrm>
+            <a:off x="3447143" y="673882"/>
+            <a:ext cx="2770711" cy="369332"/>
+          </a:xfrm>
+          <a:prstGeom prst="rect">
+            <a:avLst/>
+          </a:prstGeom>
+          <a:noFill/>
+        </p:spPr>
+        <p:txBody>
+          <a:bodyPr wrap="none" rtlCol="0">
+            <a:spAutoFit/>
+          </a:bodyPr>
+          <a:lstStyle/>
+          <a:p>
+            <a:r>
+              <a:rPr lang="en-US" dirty="0"/>
+              <a:t>See details on class website</a:t>
+            </a:r>
+          </a:p>
+        </p:txBody>
+      </p:sp>
+      <p:sp>
+        <p:nvSpPr>
+          <p:cNvPr id="8" name="Rectangle 7">
+            <a:extLst>
+              <a:ext uri="{FF2B5EF4-FFF2-40B4-BE49-F238E27FC236}">
+                <a16:creationId xmlns:a16="http://schemas.microsoft.com/office/drawing/2014/main" id="{75E6324C-9E5D-FE4F-A9F0-686111CF2B09}"/>
+              </a:ext>
+            </a:extLst>
+          </p:cNvPr>
+          <p:cNvSpPr/>
+          <p:nvPr/>
+        </p:nvSpPr>
+        <p:spPr>
+          <a:xfrm>
+            <a:off x="1051560" y="6538915"/>
+            <a:ext cx="7040880" cy="276999"/>
+          </a:xfrm>
+          <a:prstGeom prst="rect">
+            <a:avLst/>
+          </a:prstGeom>
+        </p:spPr>
+        <p:txBody>
+          <a:bodyPr wrap="square">
+            <a:spAutoFit/>
+          </a:bodyPr>
+          <a:lstStyle/>
+          <a:p>
+            <a:r>
+              <a:rPr lang="en-US" sz="1200" dirty="0">
+                <a:solidFill>
+                  <a:schemeClr val="bg1">
+                    <a:lumMod val="50000"/>
+                  </a:schemeClr>
+                </a:solidFill>
+                <a:latin typeface="Courier" pitchFamily="2" charset="0"/>
+              </a:rPr>
+              <a:t>https://</a:t>
+            </a:r>
+            <a:r>
+              <a:rPr lang="en-US" sz="1200" dirty="0" err="1">
+                <a:solidFill>
+                  <a:schemeClr val="bg1">
+                    <a:lumMod val="50000"/>
+                  </a:schemeClr>
+                </a:solidFill>
+                <a:latin typeface="Courier" pitchFamily="2" charset="0"/>
+              </a:rPr>
+              <a:t>svivek.com</a:t>
+            </a:r>
+            <a:r>
+              <a:rPr lang="en-US" sz="1200" dirty="0">
+                <a:solidFill>
+                  <a:schemeClr val="bg1">
+                    <a:lumMod val="50000"/>
+                  </a:schemeClr>
+                </a:solidFill>
+                <a:latin typeface="Courier" pitchFamily="2" charset="0"/>
+              </a:rPr>
+              <a:t>/teaching/structured-prediction/spring2021/</a:t>
+            </a:r>
+            <a:r>
+              <a:rPr lang="en-US" sz="1200" dirty="0" err="1">
+                <a:solidFill>
+                  <a:schemeClr val="accent1"/>
+                </a:solidFill>
+                <a:latin typeface="Courier" pitchFamily="2" charset="0"/>
+              </a:rPr>
+              <a:t>info.html</a:t>
+            </a:r>
+            <a:endParaRPr lang="en-US" sz="1200" dirty="0">
+              <a:solidFill>
+                <a:schemeClr val="accent1"/>
+              </a:solidFill>
+              <a:latin typeface="Courier" pitchFamily="2" charset="0"/>
+            </a:endParaRPr>
+          </a:p>
+        </p:txBody>
+      </p:sp>
+    </p:spTree>
+    <p:extLst>
+      <p:ext uri="{BB962C8B-B14F-4D97-AF65-F5344CB8AC3E}">
+        <p14:creationId xmlns:p14="http://schemas.microsoft.com/office/powerpoint/2010/main" val="1202526673"/>
+      </p:ext>
+    </p:extLst>
+  </p:cSld>
+  <p:clrMapOvr>
+    <a:masterClrMapping/>
+  </p:clrMapOvr>
+</p:sld>
+</file>
+
+<file path=ppt/slides/slide6.xml><?xml version="1.0" encoding="utf-8"?>
+<p:sld xmlns:a="http://schemas.openxmlformats.org/drawingml/2006/main" xmlns:r="http://schemas.openxmlformats.org/officeDocument/2006/relationships" xmlns:p="http://schemas.openxmlformats.org/presentationml/2006/main">
+  <p:cSld>
+    <p:spTree>
+      <p:nvGrpSpPr>
+        <p:cNvPr id="1" name=""/>
+        <p:cNvGrpSpPr/>
+        <p:nvPr/>
+      </p:nvGrpSpPr>
+      <p:grpSpPr>
+        <a:xfrm>
+          <a:off x="0" y="0"/>
+          <a:ext cx="0" cy="0"/>
+          <a:chOff x="0" y="0"/>
+          <a:chExt cx="0" cy="0"/>
+        </a:xfrm>
+      </p:grpSpPr>
+      <p:sp>
+        <p:nvSpPr>
+          <p:cNvPr id="2" name="Title 1"/>
+          <p:cNvSpPr>
+            <a:spLocks noGrp="1"/>
+          </p:cNvSpPr>
+          <p:nvPr>
+            <p:ph type="title"/>
+          </p:nvPr>
+        </p:nvSpPr>
+        <p:spPr/>
+        <p:txBody>
+          <a:bodyPr/>
+          <a:lstStyle/>
+          <a:p>
+            <a:r>
+              <a:rPr lang="en-US" dirty="0"/>
+              <a:t>Course expectations</a:t>
+            </a:r>
+          </a:p>
+        </p:txBody>
+      </p:sp>
+      <p:sp>
+        <p:nvSpPr>
+          <p:cNvPr id="3" name="Content Placeholder 2"/>
+          <p:cNvSpPr>
+            <a:spLocks noGrp="1"/>
+          </p:cNvSpPr>
+          <p:nvPr>
+            <p:ph idx="1"/>
+          </p:nvPr>
+        </p:nvSpPr>
+        <p:spPr/>
+        <p:txBody>
+          <a:bodyPr>
+            <a:normAutofit/>
+          </a:bodyPr>
+          <a:lstStyle/>
+          <a:p>
+            <a:pPr marL="0" indent="0">
+              <a:buNone/>
+            </a:pPr>
+            <a:r>
+              <a:rPr lang="en-US" dirty="0"/>
+              <a:t>This is an advanced topics course aimed at helping you navigate recent research.</a:t>
+            </a:r>
+          </a:p>
+          <a:p>
+            <a:pPr marL="0" indent="0">
+              <a:buNone/>
+            </a:pPr>
+            <a:endParaRPr lang="en-US" dirty="0"/>
+          </a:p>
+          <a:p>
+            <a:pPr marL="0" indent="0">
+              <a:buNone/>
+            </a:pPr>
+            <a:r>
+              <a:rPr lang="en-US" dirty="0"/>
+              <a:t>I expect you to</a:t>
+            </a:r>
+          </a:p>
+          <a:p>
+            <a:r>
+              <a:rPr lang="en-US" dirty="0"/>
+              <a:t>Participate in the class</a:t>
+            </a:r>
+          </a:p>
+          <a:p>
+            <a:endParaRPr lang="en-US" dirty="0"/>
+          </a:p>
+          <a:p>
+            <a:r>
+              <a:rPr lang="en-US" dirty="0"/>
+              <a:t>Complete the readings for the lectures</a:t>
+            </a:r>
+          </a:p>
+          <a:p>
+            <a:endParaRPr lang="en-US" dirty="0"/>
+          </a:p>
+          <a:p>
+            <a:r>
+              <a:rPr lang="en-US" dirty="0"/>
+              <a:t>And most importantly, demonstrate independence and mathematical rigor in your work</a:t>
+            </a:r>
+          </a:p>
+          <a:p>
+            <a:pPr marL="0" indent="0">
+              <a:buNone/>
+            </a:pPr>
+            <a:endParaRPr lang="en-US" dirty="0"/>
+          </a:p>
+          <a:p>
+            <a:endParaRPr lang="en-US" dirty="0"/>
+          </a:p>
+          <a:p>
+            <a:endParaRPr lang="en-US" dirty="0"/>
+          </a:p>
+          <a:p>
+            <a:endParaRPr lang="en-US" dirty="0"/>
+          </a:p>
+        </p:txBody>
+      </p:sp>
+      <p:sp>
+        <p:nvSpPr>
+          <p:cNvPr id="4" name="Slide Number Placeholder 3"/>
+          <p:cNvSpPr>
+            <a:spLocks noGrp="1"/>
+          </p:cNvSpPr>
+          <p:nvPr>
+            <p:ph type="sldNum" sz="quarter" idx="12"/>
+          </p:nvPr>
+        </p:nvSpPr>
+        <p:spPr/>
+        <p:txBody>
+          <a:bodyPr/>
+          <a:lstStyle/>
+          <a:p>
+            <a:fld id="{C826F14C-17DA-C143-8CA2-5F52D30DDCA1}" type="slidenum">
+              <a:rPr lang="en-US" smtClean="0"/>
+              <a:t>6</a:t>
+            </a:fld>
+            <a:endParaRPr lang="en-US"/>
+          </a:p>
+        </p:txBody>
+      </p:sp>
+    </p:spTree>
+    <p:extLst>
+      <p:ext uri="{BB962C8B-B14F-4D97-AF65-F5344CB8AC3E}">
+        <p14:creationId xmlns:p14="http://schemas.microsoft.com/office/powerpoint/2010/main" val="3149761770"/>
+      </p:ext>
+    </p:extLst>
+  </p:cSld>
+  <p:clrMapOvr>
+    <a:masterClrMapping/>
+  </p:clrMapOvr>
+</p:sld>
+</file>
+
 <file path=ppt/slides/slide7.xml><?xml version="1.0" encoding="utf-8"?>
 <p:sld xmlns:a="http://schemas.openxmlformats.org/drawingml/2006/main" xmlns:r="http://schemas.openxmlformats.org/officeDocument/2006/relationships" xmlns:p="http://schemas.openxmlformats.org/presentationml/2006/main">
   <p:cSld>
@@ -6057,27 +5993,9 @@
         </p:nvSpPr>
         <p:spPr/>
         <p:txBody>
-          <a:bodyPr>
-            <a:normAutofit/>
-          </a:bodyPr>
-          <a:lstStyle/>
-          <a:p>
-            <a:r>
-              <a:rPr lang="en-US" dirty="0" smtClean="0"/>
-              <a:t>Policies </a:t>
-            </a:r>
-            <a:r>
-              <a:rPr lang="en-US" sz="1800" dirty="0"/>
-              <a:t>(see </a:t>
-            </a:r>
-            <a:r>
-              <a:rPr lang="en-US" sz="1800" dirty="0" smtClean="0"/>
-              <a:t>website for </a:t>
-            </a:r>
-            <a:r>
-              <a:rPr lang="en-US" sz="1800" dirty="0"/>
-              <a:t>details)</a:t>
-            </a:r>
+          <a:bodyPr/>
+          <a:lstStyle/>
+          <a:p>
             <a:endParaRPr lang="en-US" dirty="0"/>
           </a:p>
         </p:txBody>
@@ -6094,89 +6012,25 @@
         </p:nvSpPr>
         <p:spPr/>
         <p:txBody>
-          <a:bodyPr>
-            <a:normAutofit lnSpcReduction="10000"/>
-          </a:bodyPr>
-          <a:lstStyle/>
-          <a:p>
-            <a:r>
-              <a:rPr lang="en-US" dirty="0" smtClean="0">
-                <a:solidFill>
-                  <a:schemeClr val="accent1"/>
-                </a:solidFill>
-              </a:rPr>
-              <a:t>Collaboration vs. Cheating</a:t>
-            </a:r>
-          </a:p>
-          <a:p>
-            <a:pPr lvl="1"/>
-            <a:r>
-              <a:rPr lang="en-US" dirty="0" smtClean="0"/>
-              <a:t>Collaboration is strongly encouraged, cheating will not be tolerated</a:t>
-            </a:r>
-          </a:p>
-          <a:p>
-            <a:pPr lvl="1"/>
-            <a:r>
-              <a:rPr lang="en-US" dirty="0" smtClean="0"/>
-              <a:t>School </a:t>
-            </a:r>
-            <a:r>
-              <a:rPr lang="en-US" dirty="0" smtClean="0"/>
-              <a:t>of Computing policy on academic misconduct</a:t>
-            </a:r>
-          </a:p>
-          <a:p>
-            <a:pPr lvl="1"/>
-            <a:r>
-              <a:rPr lang="en-US" dirty="0" smtClean="0"/>
-              <a:t>Acknowledge </a:t>
-            </a:r>
-            <a:r>
-              <a:rPr lang="en-US" dirty="0" smtClean="0"/>
-              <a:t>sources and discussions in all deliverables</a:t>
-            </a:r>
+          <a:bodyPr/>
+          <a:lstStyle/>
+          <a:p>
+            <a:r>
+              <a:rPr lang="en-US" dirty="0"/>
+              <a:t>No readings for next lecture</a:t>
+            </a:r>
+          </a:p>
+          <a:p>
             <a:endParaRPr lang="en-US" dirty="0"/>
           </a:p>
           <a:p>
-            <a:endParaRPr lang="en-US" dirty="0" smtClean="0"/>
-          </a:p>
-          <a:p>
-            <a:r>
-              <a:rPr lang="en-US" dirty="0" smtClean="0">
-                <a:solidFill>
-                  <a:schemeClr val="accent1"/>
-                </a:solidFill>
-              </a:rPr>
-              <a:t>Late policy </a:t>
-            </a:r>
-          </a:p>
-          <a:p>
-            <a:pPr lvl="1"/>
-            <a:r>
-              <a:rPr lang="en-US" dirty="0" smtClean="0"/>
-              <a:t>10 % penalty if submitted one day late, no further extensions</a:t>
-            </a:r>
-          </a:p>
-          <a:p>
-            <a:endParaRPr lang="en-US" dirty="0" smtClean="0"/>
-          </a:p>
-          <a:p>
-            <a:r>
-              <a:rPr lang="en-US" dirty="0" smtClean="0">
-                <a:solidFill>
-                  <a:schemeClr val="accent1"/>
-                </a:solidFill>
-              </a:rPr>
-              <a:t>Access and assistance</a:t>
-            </a:r>
-          </a:p>
-          <a:p>
-            <a:pPr lvl="1"/>
-            <a:r>
-              <a:rPr lang="en-US" dirty="0" smtClean="0"/>
-              <a:t>If you need any assistance, please contact me as soon as possible </a:t>
-            </a:r>
+            <a:r>
+              <a:rPr lang="en-US" dirty="0"/>
+              <a:t>For questions about registration, please meet me now</a:t>
+            </a:r>
+          </a:p>
+          <a:p>
+            <a:endParaRPr lang="en-US" dirty="0"/>
           </a:p>
         </p:txBody>
       </p:sp>
@@ -6198,392 +6052,6 @@
             <a:fld id="{C826F14C-17DA-C143-8CA2-5F52D30DDCA1}" type="slidenum">
               <a:rPr lang="en-US" smtClean="0"/>
               <a:t>7</a:t>
-            </a:fld>
-            <a:endParaRPr lang="en-US"/>
-          </a:p>
-        </p:txBody>
-      </p:sp>
-      <p:sp>
-        <p:nvSpPr>
-          <p:cNvPr id="5" name="TextBox 4"/>
-          <p:cNvSpPr txBox="1"/>
-          <p:nvPr/>
-        </p:nvSpPr>
-        <p:spPr>
-          <a:xfrm>
-            <a:off x="583132" y="6272978"/>
-            <a:ext cx="1118515" cy="338554"/>
-          </a:xfrm>
-          <a:prstGeom prst="rect">
-            <a:avLst/>
-          </a:prstGeom>
-          <a:noFill/>
-        </p:spPr>
-        <p:txBody>
-          <a:bodyPr wrap="none" rtlCol="0">
-            <a:spAutoFit/>
-          </a:bodyPr>
-          <a:lstStyle/>
-          <a:p>
-            <a:r>
-              <a:rPr lang="en-US" dirty="0" smtClean="0">
-                <a:solidFill>
-                  <a:schemeClr val="accent2"/>
-                </a:solidFill>
-              </a:rPr>
-              <a:t>Questions?</a:t>
-            </a:r>
-            <a:endParaRPr lang="en-US" dirty="0">
-              <a:solidFill>
-                <a:schemeClr val="accent2"/>
-              </a:solidFill>
-            </a:endParaRPr>
-          </a:p>
-        </p:txBody>
-      </p:sp>
-    </p:spTree>
-    <p:extLst>
-      <p:ext uri="{BB962C8B-B14F-4D97-AF65-F5344CB8AC3E}">
-        <p14:creationId xmlns:p14="http://schemas.microsoft.com/office/powerpoint/2010/main" val="3980834391"/>
-      </p:ext>
-    </p:extLst>
-  </p:cSld>
-  <p:clrMapOvr>
-    <a:masterClrMapping/>
-  </p:clrMapOvr>
-  <p:timing>
-    <p:tnLst>
-      <p:par>
-        <p:cTn id="1" dur="indefinite" restart="never" nodeType="tmRoot">
-          <p:childTnLst>
-            <p:seq concurrent="1" nextAc="seek">
-              <p:cTn id="2" dur="indefinite" nodeType="mainSeq">
-                <p:childTnLst>
-                  <p:par>
-                    <p:cTn id="3" fill="hold">
-                      <p:stCondLst>
-                        <p:cond delay="indefinite"/>
-                      </p:stCondLst>
-                      <p:childTnLst>
-                        <p:par>
-                          <p:cTn id="4" fill="hold">
-                            <p:stCondLst>
-                              <p:cond delay="0"/>
-                            </p:stCondLst>
-                            <p:childTnLst>
-                              <p:par>
-                                <p:cTn id="5" presetID="1" presetClass="entr" presetSubtype="0" fill="hold" grpId="0" nodeType="clickEffect">
-                                  <p:stCondLst>
-                                    <p:cond delay="0"/>
-                                  </p:stCondLst>
-                                  <p:childTnLst>
-                                    <p:set>
-                                      <p:cBhvr>
-                                        <p:cTn id="6" dur="1" fill="hold">
-                                          <p:stCondLst>
-                                            <p:cond delay="0"/>
-                                          </p:stCondLst>
-                                        </p:cTn>
-                                        <p:tgtEl>
-                                          <p:spTgt spid="5"/>
-                                        </p:tgtEl>
-                                        <p:attrNameLst>
-                                          <p:attrName>style.visibility</p:attrName>
-                                        </p:attrNameLst>
-                                      </p:cBhvr>
-                                      <p:to>
-                                        <p:strVal val="visible"/>
-                                      </p:to>
-                                    </p:set>
-                                  </p:childTnLst>
-                                </p:cTn>
-                              </p:par>
-                            </p:childTnLst>
-                          </p:cTn>
-                        </p:par>
-                      </p:childTnLst>
-                    </p:cTn>
-                  </p:par>
-                </p:childTnLst>
-              </p:cTn>
-              <p:prevCondLst>
-                <p:cond evt="onPrev" delay="0">
-                  <p:tgtEl>
-                    <p:sldTgt/>
-                  </p:tgtEl>
-                </p:cond>
-              </p:prevCondLst>
-              <p:nextCondLst>
-                <p:cond evt="onNext" delay="0">
-                  <p:tgtEl>
-                    <p:sldTgt/>
-                  </p:tgtEl>
-                </p:cond>
-              </p:nextCondLst>
-            </p:seq>
-          </p:childTnLst>
-        </p:cTn>
-      </p:par>
-    </p:tnLst>
-    <p:bldLst>
-      <p:bldP spid="5" grpId="0"/>
-    </p:bldLst>
-  </p:timing>
-</p:sld>
-</file>
-
-<file path=ppt/slides/slide8.xml><?xml version="1.0" encoding="utf-8"?>
-<p:sld xmlns:a="http://schemas.openxmlformats.org/drawingml/2006/main" xmlns:r="http://schemas.openxmlformats.org/officeDocument/2006/relationships" xmlns:p="http://schemas.openxmlformats.org/presentationml/2006/main">
-  <p:cSld>
-    <p:spTree>
-      <p:nvGrpSpPr>
-        <p:cNvPr id="1" name=""/>
-        <p:cNvGrpSpPr/>
-        <p:nvPr/>
-      </p:nvGrpSpPr>
-      <p:grpSpPr>
-        <a:xfrm>
-          <a:off x="0" y="0"/>
-          <a:ext cx="0" cy="0"/>
-          <a:chOff x="0" y="0"/>
-          <a:chExt cx="0" cy="0"/>
-        </a:xfrm>
-      </p:grpSpPr>
-      <p:sp>
-        <p:nvSpPr>
-          <p:cNvPr id="2" name="Title 1"/>
-          <p:cNvSpPr>
-            <a:spLocks noGrp="1"/>
-          </p:cNvSpPr>
-          <p:nvPr>
-            <p:ph type="title"/>
-          </p:nvPr>
-        </p:nvSpPr>
-        <p:spPr/>
-        <p:txBody>
-          <a:bodyPr/>
-          <a:lstStyle/>
-          <a:p>
-            <a:r>
-              <a:rPr lang="en-US" dirty="0" smtClean="0"/>
-              <a:t>Course expectations</a:t>
-            </a:r>
-            <a:endParaRPr lang="en-US" dirty="0"/>
-          </a:p>
-        </p:txBody>
-      </p:sp>
-      <p:sp>
-        <p:nvSpPr>
-          <p:cNvPr id="3" name="Content Placeholder 2"/>
-          <p:cNvSpPr>
-            <a:spLocks noGrp="1"/>
-          </p:cNvSpPr>
-          <p:nvPr>
-            <p:ph idx="1"/>
-          </p:nvPr>
-        </p:nvSpPr>
-        <p:spPr/>
-        <p:txBody>
-          <a:bodyPr>
-            <a:normAutofit/>
-          </a:bodyPr>
-          <a:lstStyle/>
-          <a:p>
-            <a:pPr marL="0" indent="0">
-              <a:buNone/>
-            </a:pPr>
-            <a:r>
-              <a:rPr lang="en-US" dirty="0" smtClean="0"/>
-              <a:t>This is an advanced topics course aimed at helping you navigate recent research.</a:t>
-            </a:r>
-          </a:p>
-          <a:p>
-            <a:pPr marL="0" indent="0">
-              <a:buNone/>
-            </a:pPr>
-            <a:endParaRPr lang="en-US" dirty="0"/>
-          </a:p>
-          <a:p>
-            <a:pPr marL="0" indent="0">
-              <a:buNone/>
-            </a:pPr>
-            <a:r>
-              <a:rPr lang="en-US" dirty="0" smtClean="0"/>
-              <a:t>I expect you to</a:t>
-            </a:r>
-          </a:p>
-          <a:p>
-            <a:r>
-              <a:rPr lang="en-US" dirty="0" smtClean="0"/>
-              <a:t>Participate in the class</a:t>
-            </a:r>
-          </a:p>
-          <a:p>
-            <a:endParaRPr lang="en-US" dirty="0" smtClean="0"/>
-          </a:p>
-          <a:p>
-            <a:r>
-              <a:rPr lang="en-US" dirty="0" smtClean="0"/>
-              <a:t>Complete the readings for the lectures</a:t>
-            </a:r>
-          </a:p>
-          <a:p>
-            <a:endParaRPr lang="en-US" dirty="0"/>
-          </a:p>
-          <a:p>
-            <a:r>
-              <a:rPr lang="en-US" dirty="0" smtClean="0"/>
-              <a:t>And most importantly, demonstrate independence and mathematical rigor in your work</a:t>
-            </a:r>
-          </a:p>
-          <a:p>
-            <a:pPr marL="0" indent="0">
-              <a:buNone/>
-            </a:pPr>
-            <a:endParaRPr lang="en-US" dirty="0" smtClean="0"/>
-          </a:p>
-          <a:p>
-            <a:endParaRPr lang="en-US" dirty="0" smtClean="0"/>
-          </a:p>
-          <a:p>
-            <a:endParaRPr lang="en-US" dirty="0" smtClean="0"/>
-          </a:p>
-          <a:p>
-            <a:endParaRPr lang="en-US" dirty="0"/>
-          </a:p>
-        </p:txBody>
-      </p:sp>
-      <p:sp>
-        <p:nvSpPr>
-          <p:cNvPr id="4" name="Slide Number Placeholder 3"/>
-          <p:cNvSpPr>
-            <a:spLocks noGrp="1"/>
-          </p:cNvSpPr>
-          <p:nvPr>
-            <p:ph type="sldNum" sz="quarter" idx="12"/>
-          </p:nvPr>
-        </p:nvSpPr>
-        <p:spPr/>
-        <p:txBody>
-          <a:bodyPr/>
-          <a:lstStyle/>
-          <a:p>
-            <a:fld id="{C826F14C-17DA-C143-8CA2-5F52D30DDCA1}" type="slidenum">
-              <a:rPr lang="en-US" smtClean="0"/>
-              <a:t>8</a:t>
-            </a:fld>
-            <a:endParaRPr lang="en-US"/>
-          </a:p>
-        </p:txBody>
-      </p:sp>
-    </p:spTree>
-    <p:extLst>
-      <p:ext uri="{BB962C8B-B14F-4D97-AF65-F5344CB8AC3E}">
-        <p14:creationId xmlns:p14="http://schemas.microsoft.com/office/powerpoint/2010/main" val="3149761770"/>
-      </p:ext>
-    </p:extLst>
-  </p:cSld>
-  <p:clrMapOvr>
-    <a:masterClrMapping/>
-  </p:clrMapOvr>
-  <p:timing>
-    <p:tnLst>
-      <p:par>
-        <p:cTn id="1" dur="indefinite" restart="never" nodeType="tmRoot"/>
-      </p:par>
-    </p:tnLst>
-  </p:timing>
-</p:sld>
-</file>
-
-<file path=ppt/slides/slide9.xml><?xml version="1.0" encoding="utf-8"?>
-<p:sld xmlns:a="http://schemas.openxmlformats.org/drawingml/2006/main" xmlns:r="http://schemas.openxmlformats.org/officeDocument/2006/relationships" xmlns:p="http://schemas.openxmlformats.org/presentationml/2006/main">
-  <p:cSld>
-    <p:spTree>
-      <p:nvGrpSpPr>
-        <p:cNvPr id="1" name=""/>
-        <p:cNvGrpSpPr/>
-        <p:nvPr/>
-      </p:nvGrpSpPr>
-      <p:grpSpPr>
-        <a:xfrm>
-          <a:off x="0" y="0"/>
-          <a:ext cx="0" cy="0"/>
-          <a:chOff x="0" y="0"/>
-          <a:chExt cx="0" cy="0"/>
-        </a:xfrm>
-      </p:grpSpPr>
-      <p:sp>
-        <p:nvSpPr>
-          <p:cNvPr id="2" name="Title 1"/>
-          <p:cNvSpPr>
-            <a:spLocks noGrp="1"/>
-          </p:cNvSpPr>
-          <p:nvPr>
-            <p:ph type="title"/>
-          </p:nvPr>
-        </p:nvSpPr>
-        <p:spPr/>
-        <p:txBody>
-          <a:bodyPr/>
-          <a:lstStyle/>
-          <a:p>
-            <a:endParaRPr lang="en-US" dirty="0"/>
-          </a:p>
-        </p:txBody>
-      </p:sp>
-      <p:sp>
-        <p:nvSpPr>
-          <p:cNvPr id="3" name="Content Placeholder 2"/>
-          <p:cNvSpPr>
-            <a:spLocks noGrp="1"/>
-          </p:cNvSpPr>
-          <p:nvPr>
-            <p:ph idx="1"/>
-          </p:nvPr>
-        </p:nvSpPr>
-        <p:spPr/>
-        <p:txBody>
-          <a:bodyPr/>
-          <a:lstStyle/>
-          <a:p>
-            <a:r>
-              <a:rPr lang="en-US" dirty="0" smtClean="0"/>
-              <a:t>No readings for next lecture</a:t>
-            </a:r>
-          </a:p>
-          <a:p>
-            <a:endParaRPr lang="en-US" dirty="0"/>
-          </a:p>
-          <a:p>
-            <a:r>
-              <a:rPr lang="en-US" dirty="0" smtClean="0"/>
-              <a:t>For questions about registration, please meet me now</a:t>
-            </a:r>
-          </a:p>
-          <a:p>
-            <a:endParaRPr lang="en-US" dirty="0"/>
-          </a:p>
-        </p:txBody>
-      </p:sp>
-      <p:sp>
-        <p:nvSpPr>
-          <p:cNvPr id="4" name="Slide Number Placeholder 3"/>
-          <p:cNvSpPr>
-            <a:spLocks noGrp="1"/>
-          </p:cNvSpPr>
-          <p:nvPr>
-            <p:ph type="sldNum" sz="quarter" idx="12"/>
-          </p:nvPr>
-        </p:nvSpPr>
-        <p:spPr/>
-        <p:txBody>
-          <a:bodyPr/>
-          <a:lstStyle/>
-          <a:p>
-            <a:fld id="{C826F14C-17DA-C143-8CA2-5F52D30DDCA1}" type="slidenum">
-              <a:rPr lang="en-US" smtClean="0"/>
-              <a:t>9</a:t>
             </a:fld>
             <a:endParaRPr lang="en-US"/>
           </a:p>
@@ -6599,13 +6067,6 @@
   <p:clrMapOvr>
     <a:masterClrMapping/>
   </p:clrMapOvr>
-  <p:timing>
-    <p:tnLst>
-      <p:par>
-        <p:cTn id="1" dur="indefinite" restart="never" nodeType="tmRoot"/>
-      </p:par>
-    </p:tnLst>
-  </p:timing>
 </p:sld>
 </file>
 
